--- a/docs/conv_process.pptx
+++ b/docs/conv_process.pptx
@@ -244,7 +244,7 @@
           <a:p>
             <a:fld id="{EE63B6D5-A30E-4E4D-B69E-870694315228}" type="datetimeFigureOut">
               <a:rPr lang="zh-CN" altLang="en-US" smtClean="0"/>
-              <a:t>2019/8/31</a:t>
+              <a:t>2019/9/1</a:t>
             </a:fld>
             <a:endParaRPr lang="zh-CN" altLang="en-US"/>
           </a:p>
@@ -414,7 +414,7 @@
           <a:p>
             <a:fld id="{EE63B6D5-A30E-4E4D-B69E-870694315228}" type="datetimeFigureOut">
               <a:rPr lang="zh-CN" altLang="en-US" smtClean="0"/>
-              <a:t>2019/8/31</a:t>
+              <a:t>2019/9/1</a:t>
             </a:fld>
             <a:endParaRPr lang="zh-CN" altLang="en-US"/>
           </a:p>
@@ -594,7 +594,7 @@
           <a:p>
             <a:fld id="{EE63B6D5-A30E-4E4D-B69E-870694315228}" type="datetimeFigureOut">
               <a:rPr lang="zh-CN" altLang="en-US" smtClean="0"/>
-              <a:t>2019/8/31</a:t>
+              <a:t>2019/9/1</a:t>
             </a:fld>
             <a:endParaRPr lang="zh-CN" altLang="en-US"/>
           </a:p>
@@ -764,7 +764,7 @@
           <a:p>
             <a:fld id="{EE63B6D5-A30E-4E4D-B69E-870694315228}" type="datetimeFigureOut">
               <a:rPr lang="zh-CN" altLang="en-US" smtClean="0"/>
-              <a:t>2019/8/31</a:t>
+              <a:t>2019/9/1</a:t>
             </a:fld>
             <a:endParaRPr lang="zh-CN" altLang="en-US"/>
           </a:p>
@@ -1010,7 +1010,7 @@
           <a:p>
             <a:fld id="{EE63B6D5-A30E-4E4D-B69E-870694315228}" type="datetimeFigureOut">
               <a:rPr lang="zh-CN" altLang="en-US" smtClean="0"/>
-              <a:t>2019/8/31</a:t>
+              <a:t>2019/9/1</a:t>
             </a:fld>
             <a:endParaRPr lang="zh-CN" altLang="en-US"/>
           </a:p>
@@ -1242,7 +1242,7 @@
           <a:p>
             <a:fld id="{EE63B6D5-A30E-4E4D-B69E-870694315228}" type="datetimeFigureOut">
               <a:rPr lang="zh-CN" altLang="en-US" smtClean="0"/>
-              <a:t>2019/8/31</a:t>
+              <a:t>2019/9/1</a:t>
             </a:fld>
             <a:endParaRPr lang="zh-CN" altLang="en-US"/>
           </a:p>
@@ -1609,7 +1609,7 @@
           <a:p>
             <a:fld id="{EE63B6D5-A30E-4E4D-B69E-870694315228}" type="datetimeFigureOut">
               <a:rPr lang="zh-CN" altLang="en-US" smtClean="0"/>
-              <a:t>2019/8/31</a:t>
+              <a:t>2019/9/1</a:t>
             </a:fld>
             <a:endParaRPr lang="zh-CN" altLang="en-US"/>
           </a:p>
@@ -1727,7 +1727,7 @@
           <a:p>
             <a:fld id="{EE63B6D5-A30E-4E4D-B69E-870694315228}" type="datetimeFigureOut">
               <a:rPr lang="zh-CN" altLang="en-US" smtClean="0"/>
-              <a:t>2019/8/31</a:t>
+              <a:t>2019/9/1</a:t>
             </a:fld>
             <a:endParaRPr lang="zh-CN" altLang="en-US"/>
           </a:p>
@@ -1822,7 +1822,7 @@
           <a:p>
             <a:fld id="{EE63B6D5-A30E-4E4D-B69E-870694315228}" type="datetimeFigureOut">
               <a:rPr lang="zh-CN" altLang="en-US" smtClean="0"/>
-              <a:t>2019/8/31</a:t>
+              <a:t>2019/9/1</a:t>
             </a:fld>
             <a:endParaRPr lang="zh-CN" altLang="en-US"/>
           </a:p>
@@ -2099,7 +2099,7 @@
           <a:p>
             <a:fld id="{EE63B6D5-A30E-4E4D-B69E-870694315228}" type="datetimeFigureOut">
               <a:rPr lang="zh-CN" altLang="en-US" smtClean="0"/>
-              <a:t>2019/8/31</a:t>
+              <a:t>2019/9/1</a:t>
             </a:fld>
             <a:endParaRPr lang="zh-CN" altLang="en-US"/>
           </a:p>
@@ -2352,7 +2352,7 @@
           <a:p>
             <a:fld id="{EE63B6D5-A30E-4E4D-B69E-870694315228}" type="datetimeFigureOut">
               <a:rPr lang="zh-CN" altLang="en-US" smtClean="0"/>
-              <a:t>2019/8/31</a:t>
+              <a:t>2019/9/1</a:t>
             </a:fld>
             <a:endParaRPr lang="zh-CN" altLang="en-US"/>
           </a:p>
@@ -2565,7 +2565,7 @@
           <a:p>
             <a:fld id="{EE63B6D5-A30E-4E4D-B69E-870694315228}" type="datetimeFigureOut">
               <a:rPr lang="zh-CN" altLang="en-US" smtClean="0"/>
-              <a:t>2019/8/31</a:t>
+              <a:t>2019/9/1</a:t>
             </a:fld>
             <a:endParaRPr lang="zh-CN" altLang="en-US"/>
           </a:p>
@@ -12559,13 +12559,13 @@
           <p:nvPr>
             <p:extLst>
               <p:ext uri="{D42A27DB-BD31-4B8C-83A1-F6EECF244321}">
-                <p14:modId xmlns:p14="http://schemas.microsoft.com/office/powerpoint/2010/main" val="194836608"/>
+                <p14:modId xmlns:p14="http://schemas.microsoft.com/office/powerpoint/2010/main" val="1143339454"/>
               </p:ext>
             </p:extLst>
           </p:nvPr>
         </p:nvGraphicFramePr>
         <p:xfrm>
-          <a:off x="6850003" y="1076828"/>
+          <a:off x="6594629" y="1076828"/>
           <a:ext cx="2248446" cy="2140890"/>
         </p:xfrm>
         <a:graphic>
@@ -15271,13 +15271,13 @@
           <p:nvPr>
             <p:extLst>
               <p:ext uri="{D42A27DB-BD31-4B8C-83A1-F6EECF244321}">
-                <p14:modId xmlns:p14="http://schemas.microsoft.com/office/powerpoint/2010/main" val="1486189913"/>
+                <p14:modId xmlns:p14="http://schemas.microsoft.com/office/powerpoint/2010/main" val="2419434620"/>
               </p:ext>
             </p:extLst>
           </p:nvPr>
         </p:nvGraphicFramePr>
         <p:xfrm>
-          <a:off x="6467542" y="719672"/>
+          <a:off x="6212168" y="719672"/>
           <a:ext cx="2248446" cy="2140890"/>
         </p:xfrm>
         <a:graphic>
@@ -18028,7 +18028,7 @@
         </p:nvSpPr>
         <p:spPr>
           <a:xfrm>
-            <a:off x="6482018" y="719672"/>
+            <a:off x="6226644" y="719672"/>
             <a:ext cx="367985" cy="347542"/>
           </a:xfrm>
           <a:prstGeom prst="rect">
@@ -22188,192 +22188,6 @@
           </a:graphicData>
         </a:graphic>
       </p:graphicFrame>
-      <p:cxnSp>
-        <p:nvCxnSpPr>
-          <p:cNvPr id="3" name="直接箭头连接符 2"/>
-          <p:cNvCxnSpPr/>
-          <p:nvPr/>
-        </p:nvCxnSpPr>
-        <p:spPr>
-          <a:xfrm>
-            <a:off x="251628" y="3822357"/>
-            <a:ext cx="11814468" cy="0"/>
-          </a:xfrm>
-          <a:prstGeom prst="straightConnector1">
-            <a:avLst/>
-          </a:prstGeom>
-          <a:ln>
-            <a:tailEnd type="triangle"/>
-          </a:ln>
-        </p:spPr>
-        <p:style>
-          <a:lnRef idx="1">
-            <a:schemeClr val="accent1"/>
-          </a:lnRef>
-          <a:fillRef idx="0">
-            <a:schemeClr val="accent1"/>
-          </a:fillRef>
-          <a:effectRef idx="0">
-            <a:schemeClr val="accent1"/>
-          </a:effectRef>
-          <a:fontRef idx="minor">
-            <a:schemeClr val="tx1"/>
-          </a:fontRef>
-        </p:style>
-      </p:cxnSp>
-      <p:sp>
-        <p:nvSpPr>
-          <p:cNvPr id="5" name="文本框 4"/>
-          <p:cNvSpPr txBox="1"/>
-          <p:nvPr/>
-        </p:nvSpPr>
-        <p:spPr>
-          <a:xfrm>
-            <a:off x="3963146" y="3962400"/>
-            <a:ext cx="1853513" cy="369332"/>
-          </a:xfrm>
-          <a:prstGeom prst="rect">
-            <a:avLst/>
-          </a:prstGeom>
-          <a:noFill/>
-        </p:spPr>
-        <p:txBody>
-          <a:bodyPr wrap="square" rtlCol="0">
-            <a:spAutoFit/>
-          </a:bodyPr>
-          <a:lstStyle/>
-          <a:p>
-            <a:r>
-              <a:rPr lang="zh-CN" altLang="en-US" dirty="0" smtClean="0"/>
-              <a:t>按输入通道卷积</a:t>
-            </a:r>
-            <a:endParaRPr lang="zh-CN" altLang="en-US" dirty="0"/>
-          </a:p>
-        </p:txBody>
-      </p:sp>
-      <p:sp>
-        <p:nvSpPr>
-          <p:cNvPr id="6" name="文本框 5"/>
-          <p:cNvSpPr txBox="1"/>
-          <p:nvPr/>
-        </p:nvSpPr>
-        <p:spPr>
-          <a:xfrm>
-            <a:off x="7175156" y="3970638"/>
-            <a:ext cx="1598141" cy="369332"/>
-          </a:xfrm>
-          <a:prstGeom prst="rect">
-            <a:avLst/>
-          </a:prstGeom>
-          <a:noFill/>
-        </p:spPr>
-        <p:txBody>
-          <a:bodyPr wrap="square" rtlCol="0">
-            <a:spAutoFit/>
-          </a:bodyPr>
-          <a:lstStyle/>
-          <a:p>
-            <a:r>
-              <a:rPr lang="zh-CN" altLang="en-US" dirty="0" smtClean="0"/>
-              <a:t>中间值</a:t>
-            </a:r>
-            <a:endParaRPr lang="zh-CN" altLang="en-US" dirty="0"/>
-          </a:p>
-        </p:txBody>
-      </p:sp>
-      <p:sp>
-        <p:nvSpPr>
-          <p:cNvPr id="7" name="文本框 6"/>
-          <p:cNvSpPr txBox="1"/>
-          <p:nvPr/>
-        </p:nvSpPr>
-        <p:spPr>
-          <a:xfrm>
-            <a:off x="1169701" y="3962400"/>
-            <a:ext cx="2232300" cy="369332"/>
-          </a:xfrm>
-          <a:prstGeom prst="rect">
-            <a:avLst/>
-          </a:prstGeom>
-          <a:noFill/>
-        </p:spPr>
-        <p:txBody>
-          <a:bodyPr wrap="square" rtlCol="0">
-            <a:spAutoFit/>
-          </a:bodyPr>
-          <a:lstStyle/>
-          <a:p>
-            <a:r>
-              <a:rPr lang="zh-CN" altLang="en-US" dirty="0" smtClean="0"/>
-              <a:t>输入特征图</a:t>
-            </a:r>
-            <a:endParaRPr lang="zh-CN" altLang="en-US" dirty="0"/>
-          </a:p>
-        </p:txBody>
-      </p:sp>
-      <p:sp>
-        <p:nvSpPr>
-          <p:cNvPr id="8" name="文本框 7"/>
-          <p:cNvSpPr txBox="1"/>
-          <p:nvPr/>
-        </p:nvSpPr>
-        <p:spPr>
-          <a:xfrm>
-            <a:off x="10330355" y="3962400"/>
-            <a:ext cx="1735741" cy="369332"/>
-          </a:xfrm>
-          <a:prstGeom prst="rect">
-            <a:avLst/>
-          </a:prstGeom>
-          <a:noFill/>
-        </p:spPr>
-        <p:txBody>
-          <a:bodyPr wrap="square" rtlCol="0">
-            <a:spAutoFit/>
-          </a:bodyPr>
-          <a:lstStyle/>
-          <a:p>
-            <a:r>
-              <a:rPr lang="zh-CN" altLang="en-US" dirty="0" smtClean="0"/>
-              <a:t>通道求和</a:t>
-            </a:r>
-            <a:endParaRPr lang="zh-CN" altLang="en-US" dirty="0"/>
-          </a:p>
-        </p:txBody>
-      </p:sp>
-      <p:cxnSp>
-        <p:nvCxnSpPr>
-          <p:cNvPr id="19" name="直接连接符 18"/>
-          <p:cNvCxnSpPr/>
-          <p:nvPr/>
-        </p:nvCxnSpPr>
-        <p:spPr>
-          <a:xfrm>
-            <a:off x="6036389" y="197708"/>
-            <a:ext cx="16476" cy="4167938"/>
-          </a:xfrm>
-          <a:prstGeom prst="line">
-            <a:avLst/>
-          </a:prstGeom>
-          <a:ln w="19050">
-            <a:prstDash val="lgDash"/>
-          </a:ln>
-        </p:spPr>
-        <p:style>
-          <a:lnRef idx="1">
-            <a:schemeClr val="accent1"/>
-          </a:lnRef>
-          <a:fillRef idx="0">
-            <a:schemeClr val="accent1"/>
-          </a:fillRef>
-          <a:effectRef idx="0">
-            <a:schemeClr val="accent1"/>
-          </a:effectRef>
-          <a:fontRef idx="minor">
-            <a:schemeClr val="tx1"/>
-          </a:fontRef>
-        </p:style>
-      </p:cxnSp>
       <p:sp>
         <p:nvSpPr>
           <p:cNvPr id="20" name="矩形 19"/>
@@ -22420,6 +22234,364 @@
           </a:p>
         </p:txBody>
       </p:sp>
+      <mc:AlternateContent xmlns:mc="http://schemas.openxmlformats.org/markup-compatibility/2006">
+        <mc:Choice xmlns:a14="http://schemas.microsoft.com/office/drawing/2010/main" Requires="a14">
+          <p:sp>
+            <p:nvSpPr>
+              <p:cNvPr id="18" name="文本框 17"/>
+              <p:cNvSpPr txBox="1"/>
+              <p:nvPr/>
+            </p:nvSpPr>
+            <p:spPr>
+              <a:xfrm>
+                <a:off x="3706632" y="1783899"/>
+                <a:ext cx="345989" cy="369332"/>
+              </a:xfrm>
+              <a:prstGeom prst="rect">
+                <a:avLst/>
+              </a:prstGeom>
+              <a:noFill/>
+            </p:spPr>
+            <p:txBody>
+              <a:bodyPr wrap="square" rtlCol="0">
+                <a:spAutoFit/>
+              </a:bodyPr>
+              <a:lstStyle/>
+              <a:p>
+                <a14:m>
+                  <m:oMathPara xmlns:m="http://schemas.openxmlformats.org/officeDocument/2006/math">
+                    <m:oMathParaPr>
+                      <m:jc m:val="centerGroup"/>
+                    </m:oMathParaPr>
+                    <m:oMath xmlns:m="http://schemas.openxmlformats.org/officeDocument/2006/math">
+                      <m:r>
+                        <a:rPr lang="en-US" altLang="zh-CN" b="0" i="1" dirty="0" smtClean="0">
+                          <a:latin typeface="Cambria Math" panose="02040503050406030204" pitchFamily="18" charset="0"/>
+                          <a:ea typeface="Cambria Math" panose="02040503050406030204" pitchFamily="18" charset="0"/>
+                        </a:rPr>
+                        <m:t>∗</m:t>
+                      </m:r>
+                    </m:oMath>
+                  </m:oMathPara>
+                </a14:m>
+                <a:endParaRPr lang="zh-CN" altLang="en-US" dirty="0"/>
+              </a:p>
+            </p:txBody>
+          </p:sp>
+        </mc:Choice>
+        <mc:Fallback>
+          <p:sp>
+            <p:nvSpPr>
+              <p:cNvPr id="18" name="文本框 17"/>
+              <p:cNvSpPr txBox="1">
+                <a:spLocks noRot="1" noChangeAspect="1" noMove="1" noResize="1" noEditPoints="1" noAdjustHandles="1" noChangeArrowheads="1" noChangeShapeType="1" noTextEdit="1"/>
+              </p:cNvSpPr>
+              <p:nvPr/>
+            </p:nvSpPr>
+            <p:spPr>
+              <a:xfrm>
+                <a:off x="3706632" y="1783899"/>
+                <a:ext cx="345989" cy="369332"/>
+              </a:xfrm>
+              <a:prstGeom prst="rect">
+                <a:avLst/>
+              </a:prstGeom>
+              <a:blipFill rotWithShape="0">
+                <a:blip r:embed="rId2"/>
+                <a:stretch>
+                  <a:fillRect/>
+                </a:stretch>
+              </a:blipFill>
+            </p:spPr>
+            <p:txBody>
+              <a:bodyPr/>
+              <a:lstStyle/>
+              <a:p>
+                <a:r>
+                  <a:rPr lang="zh-CN" altLang="en-US">
+                    <a:noFill/>
+                  </a:rPr>
+                  <a:t> </a:t>
+                </a:r>
+              </a:p>
+            </p:txBody>
+          </p:sp>
+        </mc:Fallback>
+      </mc:AlternateContent>
+      <mc:AlternateContent xmlns:mc="http://schemas.openxmlformats.org/markup-compatibility/2006">
+        <mc:Choice xmlns:a14="http://schemas.microsoft.com/office/drawing/2010/main" Requires="a14">
+          <p:sp>
+            <p:nvSpPr>
+              <p:cNvPr id="21" name="文本框 20"/>
+              <p:cNvSpPr txBox="1"/>
+              <p:nvPr/>
+            </p:nvSpPr>
+            <p:spPr>
+              <a:xfrm>
+                <a:off x="5796398" y="1783899"/>
+                <a:ext cx="345989" cy="369332"/>
+              </a:xfrm>
+              <a:prstGeom prst="rect">
+                <a:avLst/>
+              </a:prstGeom>
+              <a:noFill/>
+            </p:spPr>
+            <p:txBody>
+              <a:bodyPr wrap="square" rtlCol="0">
+                <a:spAutoFit/>
+              </a:bodyPr>
+              <a:lstStyle/>
+              <a:p>
+                <a14:m>
+                  <m:oMathPara xmlns:m="http://schemas.openxmlformats.org/officeDocument/2006/math">
+                    <m:oMathParaPr>
+                      <m:jc m:val="centerGroup"/>
+                    </m:oMathParaPr>
+                    <m:oMath xmlns:m="http://schemas.openxmlformats.org/officeDocument/2006/math">
+                      <m:r>
+                        <a:rPr lang="en-US" altLang="zh-CN" b="0" i="1" dirty="0" smtClean="0">
+                          <a:latin typeface="Cambria Math" panose="02040503050406030204" pitchFamily="18" charset="0"/>
+                        </a:rPr>
+                        <m:t>=</m:t>
+                      </m:r>
+                    </m:oMath>
+                  </m:oMathPara>
+                </a14:m>
+                <a:endParaRPr lang="zh-CN" altLang="en-US" dirty="0"/>
+              </a:p>
+            </p:txBody>
+          </p:sp>
+        </mc:Choice>
+        <mc:Fallback>
+          <p:sp>
+            <p:nvSpPr>
+              <p:cNvPr id="21" name="文本框 20"/>
+              <p:cNvSpPr txBox="1">
+                <a:spLocks noRot="1" noChangeAspect="1" noMove="1" noResize="1" noEditPoints="1" noAdjustHandles="1" noChangeArrowheads="1" noChangeShapeType="1" noTextEdit="1"/>
+              </p:cNvSpPr>
+              <p:nvPr/>
+            </p:nvSpPr>
+            <p:spPr>
+              <a:xfrm>
+                <a:off x="5796398" y="1783899"/>
+                <a:ext cx="345989" cy="369332"/>
+              </a:xfrm>
+              <a:prstGeom prst="rect">
+                <a:avLst/>
+              </a:prstGeom>
+              <a:blipFill rotWithShape="0">
+                <a:blip r:embed="rId3"/>
+                <a:stretch>
+                  <a:fillRect/>
+                </a:stretch>
+              </a:blipFill>
+            </p:spPr>
+            <p:txBody>
+              <a:bodyPr/>
+              <a:lstStyle/>
+              <a:p>
+                <a:r>
+                  <a:rPr lang="zh-CN" altLang="en-US">
+                    <a:noFill/>
+                  </a:rPr>
+                  <a:t> </a:t>
+                </a:r>
+              </a:p>
+            </p:txBody>
+          </p:sp>
+        </mc:Fallback>
+      </mc:AlternateContent>
+      <mc:AlternateContent xmlns:mc="http://schemas.openxmlformats.org/markup-compatibility/2006">
+        <mc:Choice xmlns:a14="http://schemas.microsoft.com/office/drawing/2010/main" Requires="a14">
+          <p:sp>
+            <p:nvSpPr>
+              <p:cNvPr id="23" name="文本框 22"/>
+              <p:cNvSpPr txBox="1"/>
+              <p:nvPr/>
+            </p:nvSpPr>
+            <p:spPr>
+              <a:xfrm>
+                <a:off x="8962048" y="1777941"/>
+                <a:ext cx="625360" cy="369332"/>
+              </a:xfrm>
+              <a:prstGeom prst="rect">
+                <a:avLst/>
+              </a:prstGeom>
+              <a:noFill/>
+            </p:spPr>
+            <p:txBody>
+              <a:bodyPr wrap="square" rtlCol="0">
+                <a:spAutoFit/>
+              </a:bodyPr>
+              <a:lstStyle/>
+              <a:p>
+                <a14:m>
+                  <m:oMathPara xmlns:m="http://schemas.openxmlformats.org/officeDocument/2006/math">
+                    <m:oMathParaPr>
+                      <m:jc m:val="centerGroup"/>
+                    </m:oMathParaPr>
+                    <m:oMath xmlns:m="http://schemas.openxmlformats.org/officeDocument/2006/math">
+                      <m:r>
+                        <a:rPr lang="en-US" altLang="zh-CN" b="0" i="1" dirty="0" smtClean="0">
+                          <a:latin typeface="Cambria Math" panose="02040503050406030204" pitchFamily="18" charset="0"/>
+                        </a:rPr>
+                        <m:t>𝑆𝑈𝑀</m:t>
+                      </m:r>
+                    </m:oMath>
+                  </m:oMathPara>
+                </a14:m>
+                <a:endParaRPr lang="zh-CN" altLang="en-US" dirty="0"/>
+              </a:p>
+            </p:txBody>
+          </p:sp>
+        </mc:Choice>
+        <mc:Fallback>
+          <p:sp>
+            <p:nvSpPr>
+              <p:cNvPr id="23" name="文本框 22"/>
+              <p:cNvSpPr txBox="1">
+                <a:spLocks noRot="1" noChangeAspect="1" noMove="1" noResize="1" noEditPoints="1" noAdjustHandles="1" noChangeArrowheads="1" noChangeShapeType="1" noTextEdit="1"/>
+              </p:cNvSpPr>
+              <p:nvPr/>
+            </p:nvSpPr>
+            <p:spPr>
+              <a:xfrm>
+                <a:off x="8962048" y="1777941"/>
+                <a:ext cx="625360" cy="369332"/>
+              </a:xfrm>
+              <a:prstGeom prst="rect">
+                <a:avLst/>
+              </a:prstGeom>
+              <a:blipFill rotWithShape="0">
+                <a:blip r:embed="rId4"/>
+                <a:stretch>
+                  <a:fillRect r="-3883"/>
+                </a:stretch>
+              </a:blipFill>
+            </p:spPr>
+            <p:txBody>
+              <a:bodyPr/>
+              <a:lstStyle/>
+              <a:p>
+                <a:r>
+                  <a:rPr lang="zh-CN" altLang="en-US">
+                    <a:noFill/>
+                  </a:rPr>
+                  <a:t> </a:t>
+                </a:r>
+              </a:p>
+            </p:txBody>
+          </p:sp>
+        </mc:Fallback>
+      </mc:AlternateContent>
+      <p:cxnSp>
+        <p:nvCxnSpPr>
+          <p:cNvPr id="17" name="直接箭头连接符 16"/>
+          <p:cNvCxnSpPr/>
+          <p:nvPr/>
+        </p:nvCxnSpPr>
+        <p:spPr>
+          <a:xfrm>
+            <a:off x="3706632" y="2147273"/>
+            <a:ext cx="345989" cy="0"/>
+          </a:xfrm>
+          <a:prstGeom prst="straightConnector1">
+            <a:avLst/>
+          </a:prstGeom>
+          <a:ln>
+            <a:solidFill>
+              <a:schemeClr val="tx1"/>
+            </a:solidFill>
+            <a:tailEnd type="triangle"/>
+          </a:ln>
+        </p:spPr>
+        <p:style>
+          <a:lnRef idx="1">
+            <a:schemeClr val="accent1"/>
+          </a:lnRef>
+          <a:fillRef idx="0">
+            <a:schemeClr val="accent1"/>
+          </a:fillRef>
+          <a:effectRef idx="0">
+            <a:schemeClr val="accent1"/>
+          </a:effectRef>
+          <a:fontRef idx="minor">
+            <a:schemeClr val="tx1"/>
+          </a:fontRef>
+        </p:style>
+      </p:cxnSp>
+      <p:cxnSp>
+        <p:nvCxnSpPr>
+          <p:cNvPr id="25" name="直接箭头连接符 24"/>
+          <p:cNvCxnSpPr/>
+          <p:nvPr/>
+        </p:nvCxnSpPr>
+        <p:spPr>
+          <a:xfrm>
+            <a:off x="5733535" y="2147273"/>
+            <a:ext cx="408852" cy="0"/>
+          </a:xfrm>
+          <a:prstGeom prst="straightConnector1">
+            <a:avLst/>
+          </a:prstGeom>
+          <a:ln>
+            <a:solidFill>
+              <a:schemeClr val="tx1"/>
+            </a:solidFill>
+            <a:tailEnd type="triangle"/>
+          </a:ln>
+        </p:spPr>
+        <p:style>
+          <a:lnRef idx="1">
+            <a:schemeClr val="accent1"/>
+          </a:lnRef>
+          <a:fillRef idx="0">
+            <a:schemeClr val="accent1"/>
+          </a:fillRef>
+          <a:effectRef idx="0">
+            <a:schemeClr val="accent1"/>
+          </a:effectRef>
+          <a:fontRef idx="minor">
+            <a:schemeClr val="tx1"/>
+          </a:fontRef>
+        </p:style>
+      </p:cxnSp>
+      <p:cxnSp>
+        <p:nvCxnSpPr>
+          <p:cNvPr id="27" name="直接箭头连接符 26"/>
+          <p:cNvCxnSpPr/>
+          <p:nvPr/>
+        </p:nvCxnSpPr>
+        <p:spPr>
+          <a:xfrm>
+            <a:off x="8962048" y="2147273"/>
+            <a:ext cx="625360" cy="0"/>
+          </a:xfrm>
+          <a:prstGeom prst="straightConnector1">
+            <a:avLst/>
+          </a:prstGeom>
+          <a:ln>
+            <a:solidFill>
+              <a:schemeClr val="tx1"/>
+            </a:solidFill>
+            <a:tailEnd type="triangle"/>
+          </a:ln>
+        </p:spPr>
+        <p:style>
+          <a:lnRef idx="1">
+            <a:schemeClr val="accent1"/>
+          </a:lnRef>
+          <a:fillRef idx="0">
+            <a:schemeClr val="accent1"/>
+          </a:fillRef>
+          <a:effectRef idx="0">
+            <a:schemeClr val="accent1"/>
+          </a:effectRef>
+          <a:fontRef idx="minor">
+            <a:schemeClr val="tx1"/>
+          </a:fontRef>
+        </p:style>
+      </p:cxnSp>
     </p:spTree>
     <p:extLst>
       <p:ext uri="{BB962C8B-B14F-4D97-AF65-F5344CB8AC3E}">
@@ -22466,13 +22638,13 @@
           <p:nvPr>
             <p:extLst>
               <p:ext uri="{D42A27DB-BD31-4B8C-83A1-F6EECF244321}">
-                <p14:modId xmlns:p14="http://schemas.microsoft.com/office/powerpoint/2010/main" val="110312771"/>
+                <p14:modId xmlns:p14="http://schemas.microsoft.com/office/powerpoint/2010/main" val="3595160203"/>
               </p:ext>
             </p:extLst>
           </p:nvPr>
         </p:nvGraphicFramePr>
         <p:xfrm>
-          <a:off x="9657189" y="902481"/>
+          <a:off x="8698517" y="1001092"/>
           <a:ext cx="2252388" cy="2144640"/>
         </p:xfrm>
         <a:graphic>
@@ -25133,39 +25305,6 @@
           </a:graphicData>
         </a:graphic>
       </p:graphicFrame>
-      <p:cxnSp>
-        <p:nvCxnSpPr>
-          <p:cNvPr id="3" name="直接箭头连接符 2"/>
-          <p:cNvCxnSpPr/>
-          <p:nvPr/>
-        </p:nvCxnSpPr>
-        <p:spPr>
-          <a:xfrm>
-            <a:off x="251628" y="3822357"/>
-            <a:ext cx="11814468" cy="0"/>
-          </a:xfrm>
-          <a:prstGeom prst="straightConnector1">
-            <a:avLst/>
-          </a:prstGeom>
-          <a:ln>
-            <a:tailEnd type="triangle"/>
-          </a:ln>
-        </p:spPr>
-        <p:style>
-          <a:lnRef idx="1">
-            <a:schemeClr val="accent1"/>
-          </a:lnRef>
-          <a:fillRef idx="0">
-            <a:schemeClr val="accent1"/>
-          </a:fillRef>
-          <a:effectRef idx="0">
-            <a:schemeClr val="accent1"/>
-          </a:effectRef>
-          <a:fontRef idx="minor">
-            <a:schemeClr val="tx1"/>
-          </a:fontRef>
-        </p:style>
-      </p:cxnSp>
       <p:sp>
         <p:nvSpPr>
           <p:cNvPr id="5" name="文本框 4"/>
@@ -25174,7 +25313,7 @@
         </p:nvSpPr>
         <p:spPr>
           <a:xfrm>
-            <a:off x="3963146" y="3962400"/>
+            <a:off x="1117375" y="4130405"/>
             <a:ext cx="1853513" cy="369332"/>
           </a:xfrm>
           <a:prstGeom prst="rect">
@@ -25190,37 +25329,7 @@
           <a:p>
             <a:r>
               <a:rPr lang="zh-CN" altLang="en-US" dirty="0" smtClean="0"/>
-              <a:t>按输入通道卷积</a:t>
-            </a:r>
-            <a:endParaRPr lang="zh-CN" altLang="en-US" dirty="0"/>
-          </a:p>
-        </p:txBody>
-      </p:sp>
-      <p:sp>
-        <p:nvSpPr>
-          <p:cNvPr id="6" name="文本框 5"/>
-          <p:cNvSpPr txBox="1"/>
-          <p:nvPr/>
-        </p:nvSpPr>
-        <p:spPr>
-          <a:xfrm>
-            <a:off x="7175156" y="3970638"/>
-            <a:ext cx="1598141" cy="369332"/>
-          </a:xfrm>
-          <a:prstGeom prst="rect">
-            <a:avLst/>
-          </a:prstGeom>
-          <a:noFill/>
-        </p:spPr>
-        <p:txBody>
-          <a:bodyPr wrap="square" rtlCol="0">
-            <a:spAutoFit/>
-          </a:bodyPr>
-          <a:lstStyle/>
-          <a:p>
-            <a:r>
-              <a:rPr lang="zh-CN" altLang="en-US" dirty="0" smtClean="0"/>
-              <a:t>中间值</a:t>
+              <a:t>展开的特征图</a:t>
             </a:r>
             <a:endParaRPr lang="zh-CN" altLang="en-US" dirty="0"/>
           </a:p>
@@ -25258,76 +25367,13 @@
       </p:sp>
       <p:sp>
         <p:nvSpPr>
-          <p:cNvPr id="8" name="文本框 7"/>
-          <p:cNvSpPr txBox="1"/>
-          <p:nvPr/>
-        </p:nvSpPr>
-        <p:spPr>
-          <a:xfrm>
-            <a:off x="10330355" y="3962400"/>
-            <a:ext cx="1735741" cy="369332"/>
-          </a:xfrm>
-          <a:prstGeom prst="rect">
-            <a:avLst/>
-          </a:prstGeom>
-          <a:noFill/>
-        </p:spPr>
-        <p:txBody>
-          <a:bodyPr wrap="square" rtlCol="0">
-            <a:spAutoFit/>
-          </a:bodyPr>
-          <a:lstStyle/>
-          <a:p>
-            <a:r>
-              <a:rPr lang="zh-CN" altLang="en-US" dirty="0" smtClean="0"/>
-              <a:t>通道求和</a:t>
-            </a:r>
-            <a:endParaRPr lang="zh-CN" altLang="en-US" dirty="0"/>
-          </a:p>
-        </p:txBody>
-      </p:sp>
-      <p:cxnSp>
-        <p:nvCxnSpPr>
-          <p:cNvPr id="19" name="直接连接符 18"/>
-          <p:cNvCxnSpPr/>
-          <p:nvPr/>
-        </p:nvCxnSpPr>
-        <p:spPr>
-          <a:xfrm>
-            <a:off x="6036389" y="197708"/>
-            <a:ext cx="16476" cy="4167938"/>
-          </a:xfrm>
-          <a:prstGeom prst="line">
-            <a:avLst/>
-          </a:prstGeom>
-          <a:ln w="19050">
-            <a:prstDash val="lgDash"/>
-          </a:ln>
-        </p:spPr>
-        <p:style>
-          <a:lnRef idx="1">
-            <a:schemeClr val="accent1"/>
-          </a:lnRef>
-          <a:fillRef idx="0">
-            <a:schemeClr val="accent1"/>
-          </a:fillRef>
-          <a:effectRef idx="0">
-            <a:schemeClr val="accent1"/>
-          </a:effectRef>
-          <a:fontRef idx="minor">
-            <a:schemeClr val="tx1"/>
-          </a:fontRef>
-        </p:style>
-      </p:cxnSp>
-      <p:sp>
-        <p:nvSpPr>
           <p:cNvPr id="20" name="矩形 19"/>
           <p:cNvSpPr/>
           <p:nvPr/>
         </p:nvSpPr>
         <p:spPr>
           <a:xfrm>
-            <a:off x="9657189" y="913827"/>
+            <a:off x="8698517" y="1012438"/>
             <a:ext cx="367985" cy="347542"/>
           </a:xfrm>
           <a:prstGeom prst="rect">
@@ -25374,7 +25420,7 @@
           <p:nvPr>
             <p:extLst>
               <p:ext uri="{D42A27DB-BD31-4B8C-83A1-F6EECF244321}">
-                <p14:modId xmlns:p14="http://schemas.microsoft.com/office/powerpoint/2010/main" val="2132690047"/>
+                <p14:modId xmlns:p14="http://schemas.microsoft.com/office/powerpoint/2010/main" val="1376592442"/>
               </p:ext>
             </p:extLst>
           </p:nvPr>
@@ -30070,7 +30116,7 @@
                             <a:schemeClr val="tx1"/>
                           </a:solidFill>
                         </a:rPr>
-                        <a:t>15</a:t>
+                        <a:t>17</a:t>
                       </a:r>
                       <a:endParaRPr lang="zh-CN" altLang="en-US" sz="900" b="0" dirty="0">
                         <a:solidFill>
@@ -30144,7 +30190,7 @@
                             <a:schemeClr val="tx1"/>
                           </a:solidFill>
                         </a:rPr>
-                        <a:t>16</a:t>
+                        <a:t>18</a:t>
                       </a:r>
                       <a:endParaRPr lang="zh-CN" altLang="en-US" sz="900" b="0" dirty="0">
                         <a:solidFill>
@@ -30218,7 +30264,7 @@
                             <a:schemeClr val="tx1"/>
                           </a:solidFill>
                         </a:rPr>
-                        <a:t>17</a:t>
+                        <a:t>19</a:t>
                       </a:r>
                       <a:endParaRPr lang="zh-CN" altLang="en-US" sz="900" b="0" dirty="0">
                         <a:solidFill>
@@ -30292,7 +30338,7 @@
                             <a:schemeClr val="tx1"/>
                           </a:solidFill>
                         </a:rPr>
-                        <a:t>23</a:t>
+                        <a:t>25</a:t>
                       </a:r>
                       <a:endParaRPr lang="zh-CN" altLang="en-US" sz="900" b="0" dirty="0">
                         <a:solidFill>
@@ -30366,7 +30412,7 @@
                             <a:schemeClr val="tx1"/>
                           </a:solidFill>
                         </a:rPr>
-                        <a:t>24</a:t>
+                        <a:t>26</a:t>
                       </a:r>
                       <a:endParaRPr lang="zh-CN" altLang="en-US" sz="900" b="0" dirty="0">
                         <a:solidFill>
@@ -30440,7 +30486,7 @@
                             <a:schemeClr val="tx1"/>
                           </a:solidFill>
                         </a:rPr>
-                        <a:t>25</a:t>
+                        <a:t>27</a:t>
                       </a:r>
                       <a:endParaRPr lang="zh-CN" altLang="en-US" sz="900" b="0" dirty="0">
                         <a:solidFill>
@@ -30587,7 +30633,7 @@
                             <a:schemeClr val="tx1"/>
                           </a:solidFill>
                         </a:rPr>
-                        <a:t>8</a:t>
+                        <a:t>10</a:t>
                       </a:r>
                       <a:endParaRPr lang="zh-CN" altLang="en-US" sz="900" b="0" dirty="0">
                         <a:solidFill>
@@ -30661,7 +30707,7 @@
                             <a:schemeClr val="tx1"/>
                           </a:solidFill>
                         </a:rPr>
-                        <a:t>9</a:t>
+                        <a:t>11</a:t>
                       </a:r>
                       <a:endParaRPr lang="zh-CN" altLang="en-US" sz="900" b="0" dirty="0">
                         <a:solidFill>
@@ -30735,7 +30781,7 @@
                             <a:schemeClr val="tx1"/>
                           </a:solidFill>
                         </a:rPr>
-                        <a:t>10</a:t>
+                        <a:t>12</a:t>
                       </a:r>
                       <a:endParaRPr lang="zh-CN" altLang="en-US" sz="900" b="0" dirty="0">
                         <a:solidFill>
@@ -30809,7 +30855,7 @@
                             <a:schemeClr val="tx1"/>
                           </a:solidFill>
                         </a:rPr>
-                        <a:t>16</a:t>
+                        <a:t>18</a:t>
                       </a:r>
                       <a:endParaRPr lang="zh-CN" altLang="en-US" sz="900" b="0" dirty="0">
                         <a:solidFill>
@@ -30883,7 +30929,7 @@
                             <a:schemeClr val="tx1"/>
                           </a:solidFill>
                         </a:rPr>
-                        <a:t>17</a:t>
+                        <a:t>19</a:t>
                       </a:r>
                       <a:endParaRPr lang="zh-CN" altLang="en-US" sz="900" b="0" dirty="0">
                         <a:solidFill>
@@ -30957,7 +31003,7 @@
                             <a:schemeClr val="tx1"/>
                           </a:solidFill>
                         </a:rPr>
-                        <a:t>18</a:t>
+                        <a:t>20</a:t>
                       </a:r>
                       <a:endParaRPr lang="zh-CN" altLang="en-US" sz="900" b="0" dirty="0">
                         <a:solidFill>
@@ -31031,7 +31077,7 @@
                             <a:schemeClr val="tx1"/>
                           </a:solidFill>
                         </a:rPr>
-                        <a:t>24</a:t>
+                        <a:t>26</a:t>
                       </a:r>
                       <a:endParaRPr lang="zh-CN" altLang="en-US" sz="900" b="0" dirty="0">
                         <a:solidFill>
@@ -31105,7 +31151,7 @@
                             <a:schemeClr val="tx1"/>
                           </a:solidFill>
                         </a:rPr>
-                        <a:t>25</a:t>
+                        <a:t>27</a:t>
                       </a:r>
                       <a:endParaRPr lang="zh-CN" altLang="en-US" sz="900" b="0" dirty="0">
                         <a:solidFill>
@@ -31179,7 +31225,7 @@
                             <a:schemeClr val="tx1"/>
                           </a:solidFill>
                         </a:rPr>
-                        <a:t>26</a:t>
+                        <a:t>28</a:t>
                       </a:r>
                       <a:endParaRPr lang="zh-CN" altLang="en-US" sz="900" b="0" dirty="0">
                         <a:solidFill>
@@ -31326,7 +31372,7 @@
                             <a:schemeClr val="tx1"/>
                           </a:solidFill>
                         </a:rPr>
-                        <a:t>9</a:t>
+                        <a:t>11</a:t>
                       </a:r>
                       <a:endParaRPr lang="zh-CN" altLang="en-US" sz="900" b="0" dirty="0">
                         <a:solidFill>
@@ -31400,7 +31446,7 @@
                             <a:schemeClr val="tx1"/>
                           </a:solidFill>
                         </a:rPr>
-                        <a:t>2</a:t>
+                        <a:t>12</a:t>
                       </a:r>
                       <a:endParaRPr lang="zh-CN" altLang="en-US" sz="900" b="0" dirty="0">
                         <a:solidFill>
@@ -31474,7 +31520,7 @@
                             <a:schemeClr val="tx1"/>
                           </a:solidFill>
                         </a:rPr>
-                        <a:t>21</a:t>
+                        <a:t>13</a:t>
                       </a:r>
                       <a:endParaRPr lang="zh-CN" altLang="en-US" sz="900" b="0" dirty="0">
                         <a:solidFill>
@@ -31548,7 +31594,7 @@
                             <a:schemeClr val="tx1"/>
                           </a:solidFill>
                         </a:rPr>
-                        <a:t>27</a:t>
+                        <a:t>19</a:t>
                       </a:r>
                       <a:endParaRPr lang="zh-CN" altLang="en-US" sz="900" b="0" dirty="0">
                         <a:solidFill>
@@ -31622,7 +31668,7 @@
                             <a:schemeClr val="tx1"/>
                           </a:solidFill>
                         </a:rPr>
-                        <a:t>28</a:t>
+                        <a:t>20</a:t>
                       </a:r>
                       <a:endParaRPr lang="zh-CN" altLang="en-US" sz="900" b="0" dirty="0">
                         <a:solidFill>
@@ -31696,7 +31742,7 @@
                             <a:schemeClr val="tx1"/>
                           </a:solidFill>
                         </a:rPr>
-                        <a:t>29</a:t>
+                        <a:t>21</a:t>
                       </a:r>
                       <a:endParaRPr lang="zh-CN" altLang="en-US" sz="900" b="0" dirty="0">
                         <a:solidFill>
@@ -31770,7 +31816,7 @@
                             <a:schemeClr val="tx1"/>
                           </a:solidFill>
                         </a:rPr>
-                        <a:t>35</a:t>
+                        <a:t>27</a:t>
                       </a:r>
                       <a:endParaRPr lang="zh-CN" altLang="en-US" sz="900" b="0" dirty="0">
                         <a:solidFill>
@@ -31844,7 +31890,7 @@
                             <a:schemeClr val="tx1"/>
                           </a:solidFill>
                         </a:rPr>
-                        <a:t>36</a:t>
+                        <a:t>28</a:t>
                       </a:r>
                       <a:endParaRPr lang="zh-CN" altLang="en-US" sz="900" b="0" dirty="0">
                         <a:solidFill>
@@ -31918,7 +31964,7 @@
                             <a:schemeClr val="tx1"/>
                           </a:solidFill>
                         </a:rPr>
-                        <a:t>37</a:t>
+                        <a:t>29</a:t>
                       </a:r>
                       <a:endParaRPr lang="zh-CN" altLang="en-US" sz="900" b="0" dirty="0">
                         <a:solidFill>
@@ -32740,14 +32786,14 @@
           <p:nvPr>
             <p:extLst>
               <p:ext uri="{D42A27DB-BD31-4B8C-83A1-F6EECF244321}">
-                <p14:modId xmlns:p14="http://schemas.microsoft.com/office/powerpoint/2010/main" val="903346431"/>
+                <p14:modId xmlns:p14="http://schemas.microsoft.com/office/powerpoint/2010/main" val="1033534216"/>
               </p:ext>
             </p:extLst>
           </p:nvPr>
         </p:nvGraphicFramePr>
         <p:xfrm>
-          <a:off x="5192357" y="368744"/>
-          <a:ext cx="373432" cy="3515510"/>
+          <a:off x="4979931" y="329544"/>
+          <a:ext cx="373432" cy="3554710"/>
         </p:xfrm>
         <a:graphic>
           <a:graphicData uri="http://schemas.openxmlformats.org/drawingml/2006/table">
@@ -32758,7 +32804,7 @@
               <a:tblGrid>
                 <a:gridCol w="373432"/>
               </a:tblGrid>
-              <a:tr h="351551">
+              <a:tr h="355471">
                 <a:tc>
                   <a:txBody>
                     <a:bodyPr/>
@@ -32836,7 +32882,7 @@
                   </a:tcPr>
                 </a:tc>
               </a:tr>
-              <a:tr h="351551">
+              <a:tr h="355471">
                 <a:tc>
                   <a:txBody>
                     <a:bodyPr/>
@@ -32914,7 +32960,7 @@
                   </a:tcPr>
                 </a:tc>
               </a:tr>
-              <a:tr h="351551">
+              <a:tr h="355471">
                 <a:tc>
                   <a:txBody>
                     <a:bodyPr/>
@@ -32992,7 +33038,7 @@
                   </a:tcPr>
                 </a:tc>
               </a:tr>
-              <a:tr h="351551">
+              <a:tr h="355471">
                 <a:tc>
                   <a:txBody>
                     <a:bodyPr/>
@@ -33070,7 +33116,7 @@
                   </a:tcPr>
                 </a:tc>
               </a:tr>
-              <a:tr h="351551">
+              <a:tr h="355471">
                 <a:tc>
                   <a:txBody>
                     <a:bodyPr/>
@@ -33148,7 +33194,7 @@
                   </a:tcPr>
                 </a:tc>
               </a:tr>
-              <a:tr h="351551">
+              <a:tr h="355471">
                 <a:tc>
                   <a:txBody>
                     <a:bodyPr/>
@@ -33226,7 +33272,7 @@
                   </a:tcPr>
                 </a:tc>
               </a:tr>
-              <a:tr h="351551">
+              <a:tr h="355471">
                 <a:tc>
                   <a:txBody>
                     <a:bodyPr/>
@@ -33304,7 +33350,7 @@
                   </a:tcPr>
                 </a:tc>
               </a:tr>
-              <a:tr h="351551">
+              <a:tr h="355471">
                 <a:tc>
                   <a:txBody>
                     <a:bodyPr/>
@@ -33382,7 +33428,7 @@
                   </a:tcPr>
                 </a:tc>
               </a:tr>
-              <a:tr h="351551">
+              <a:tr h="355471">
                 <a:tc>
                   <a:txBody>
                     <a:bodyPr/>
@@ -33460,7 +33506,7 @@
                   </a:tcPr>
                 </a:tc>
               </a:tr>
-              <a:tr h="351551">
+              <a:tr h="355471">
                 <a:tc>
                   <a:txBody>
                     <a:bodyPr/>
@@ -33594,14 +33640,14 @@
           <p:nvPr>
             <p:extLst>
               <p:ext uri="{D42A27DB-BD31-4B8C-83A1-F6EECF244321}">
-                <p14:modId xmlns:p14="http://schemas.microsoft.com/office/powerpoint/2010/main" val="958535800"/>
+                <p14:modId xmlns:p14="http://schemas.microsoft.com/office/powerpoint/2010/main" val="341291632"/>
               </p:ext>
             </p:extLst>
           </p:nvPr>
         </p:nvGraphicFramePr>
         <p:xfrm>
-          <a:off x="6414128" y="1034579"/>
-          <a:ext cx="2252388" cy="2502080"/>
+          <a:off x="6838241" y="329544"/>
+          <a:ext cx="375398" cy="3554710"/>
         </p:xfrm>
         <a:graphic>
           <a:graphicData uri="http://schemas.openxmlformats.org/drawingml/2006/table">
@@ -33611,13 +33657,8 @@
               </a:tblPr>
               <a:tblGrid>
                 <a:gridCol w="375398"/>
-                <a:gridCol w="375398"/>
-                <a:gridCol w="375398"/>
-                <a:gridCol w="375398"/>
-                <a:gridCol w="375398"/>
-                <a:gridCol w="375398"/>
               </a:tblGrid>
-              <a:tr h="357440">
+              <a:tr h="355471">
                 <a:tc>
                   <a:txBody>
                     <a:bodyPr/>
@@ -33691,6 +33732,8 @@
                     </a:solidFill>
                   </a:tcPr>
                 </a:tc>
+              </a:tr>
+              <a:tr h="355471">
                 <a:tc>
                   <a:txBody>
                     <a:bodyPr/>
@@ -33764,6 +33807,8 @@
                     </a:solidFill>
                   </a:tcPr>
                 </a:tc>
+              </a:tr>
+              <a:tr h="355471">
                 <a:tc>
                   <a:txBody>
                     <a:bodyPr/>
@@ -33837,6 +33882,8 @@
                     </a:solidFill>
                   </a:tcPr>
                 </a:tc>
+              </a:tr>
+              <a:tr h="355471">
                 <a:tc>
                   <a:txBody>
                     <a:bodyPr/>
@@ -33910,6 +33957,8 @@
                     </a:solidFill>
                   </a:tcPr>
                 </a:tc>
+              </a:tr>
+              <a:tr h="355471">
                 <a:tc>
                   <a:txBody>
                     <a:bodyPr/>
@@ -33983,6 +34032,8 @@
                     </a:solidFill>
                   </a:tcPr>
                 </a:tc>
+              </a:tr>
+              <a:tr h="355471">
                 <a:tc>
                   <a:txBody>
                     <a:bodyPr/>
@@ -34057,20 +34108,20 @@
                   </a:tcPr>
                 </a:tc>
               </a:tr>
-              <a:tr h="357440">
-                <a:tc>
-                  <a:txBody>
-                    <a:bodyPr/>
-                    <a:lstStyle/>
-                    <a:p>
-                      <a:pPr algn="ctr"/>
-                      <a:r>
-                        <a:rPr lang="en-US" altLang="zh-CN" sz="900" b="0" dirty="0" smtClean="0">
-                          <a:solidFill>
-                            <a:schemeClr val="tx1"/>
-                          </a:solidFill>
-                        </a:rPr>
-                        <a:t>988</a:t>
+              <a:tr h="355471">
+                <a:tc>
+                  <a:txBody>
+                    <a:bodyPr/>
+                    <a:lstStyle/>
+                    <a:p>
+                      <a:pPr algn="ctr"/>
+                      <a:r>
+                        <a:rPr lang="en-US" altLang="zh-CN" sz="900" b="0" dirty="0" smtClean="0">
+                          <a:solidFill>
+                            <a:schemeClr val="tx1"/>
+                          </a:solidFill>
+                        </a:rPr>
+                        <a:t>1156</a:t>
                       </a:r>
                       <a:endParaRPr lang="zh-CN" altLang="en-US" sz="900" b="0" dirty="0">
                         <a:solidFill>
@@ -34131,6 +34182,8 @@
                     </a:solidFill>
                   </a:tcPr>
                 </a:tc>
+              </a:tr>
+              <a:tr h="355471">
                 <a:tc>
                   <a:txBody>
                     <a:bodyPr/>
@@ -34204,6 +34257,8 @@
                     </a:solidFill>
                   </a:tcPr>
                 </a:tc>
+              </a:tr>
+              <a:tr h="355471">
                 <a:tc>
                   <a:txBody>
                     <a:bodyPr/>
@@ -34277,2326 +34332,22 @@
                     </a:solidFill>
                   </a:tcPr>
                 </a:tc>
-                <a:tc>
-                  <a:txBody>
-                    <a:bodyPr/>
-                    <a:lstStyle/>
-                    <a:p>
-                      <a:pPr algn="ctr"/>
-                      <a:r>
-                        <a:rPr lang="en-US" altLang="zh-CN" sz="900" b="0" dirty="0" smtClean="0">
-                          <a:solidFill>
-                            <a:schemeClr val="tx1"/>
-                          </a:solidFill>
-                        </a:rPr>
-                        <a:t>1228</a:t>
-                      </a:r>
-                      <a:endParaRPr lang="zh-CN" altLang="en-US" sz="900" b="0" dirty="0">
-                        <a:solidFill>
-                          <a:schemeClr val="tx1"/>
-                        </a:solidFill>
-                      </a:endParaRPr>
-                    </a:p>
-                  </a:txBody>
-                  <a:tcPr marL="57628" marR="57628" marT="28814" marB="28814" anchor="ctr">
-                    <a:lnL w="12700" cap="flat" cmpd="sng" algn="ctr">
-                      <a:solidFill>
-                        <a:schemeClr val="tx1"/>
-                      </a:solidFill>
-                      <a:prstDash val="solid"/>
-                      <a:round/>
-                      <a:headEnd type="none" w="med" len="med"/>
-                      <a:tailEnd type="none" w="med" len="med"/>
-                    </a:lnL>
-                    <a:lnR w="12700" cap="flat" cmpd="sng" algn="ctr">
-                      <a:solidFill>
-                        <a:schemeClr val="tx1"/>
-                      </a:solidFill>
-                      <a:prstDash val="solid"/>
-                      <a:round/>
-                      <a:headEnd type="none" w="med" len="med"/>
-                      <a:tailEnd type="none" w="med" len="med"/>
-                    </a:lnR>
-                    <a:lnT w="12700" cap="flat" cmpd="sng" algn="ctr">
-                      <a:solidFill>
-                        <a:schemeClr val="tx1"/>
-                      </a:solidFill>
-                      <a:prstDash val="solid"/>
-                      <a:round/>
-                      <a:headEnd type="none" w="med" len="med"/>
-                      <a:tailEnd type="none" w="med" len="med"/>
-                    </a:lnT>
-                    <a:lnB w="12700" cap="flat" cmpd="sng" algn="ctr">
-                      <a:solidFill>
-                        <a:schemeClr val="tx1"/>
-                      </a:solidFill>
-                      <a:prstDash val="solid"/>
-                      <a:round/>
-                      <a:headEnd type="none" w="med" len="med"/>
-                      <a:tailEnd type="none" w="med" len="med"/>
-                    </a:lnB>
-                    <a:lnTlToBr w="12700" cmpd="sng">
-                      <a:noFill/>
-                      <a:prstDash val="solid"/>
-                    </a:lnTlToBr>
-                    <a:lnBlToTr w="12700" cmpd="sng">
-                      <a:noFill/>
-                      <a:prstDash val="solid"/>
-                    </a:lnBlToTr>
-                    <a:solidFill>
-                      <a:srgbClr val="7030A0">
-                        <a:alpha val="43000"/>
-                      </a:srgbClr>
-                    </a:solidFill>
-                  </a:tcPr>
-                </a:tc>
-                <a:tc>
-                  <a:txBody>
-                    <a:bodyPr/>
-                    <a:lstStyle/>
-                    <a:p>
-                      <a:pPr algn="ctr"/>
-                      <a:r>
-                        <a:rPr lang="en-US" altLang="zh-CN" sz="900" b="0" dirty="0" smtClean="0">
-                          <a:solidFill>
-                            <a:schemeClr val="tx1"/>
-                          </a:solidFill>
-                        </a:rPr>
-                        <a:t>1252</a:t>
-                      </a:r>
-                      <a:endParaRPr lang="zh-CN" altLang="en-US" sz="900" b="0" dirty="0">
-                        <a:solidFill>
-                          <a:schemeClr val="tx1"/>
-                        </a:solidFill>
-                      </a:endParaRPr>
-                    </a:p>
-                  </a:txBody>
-                  <a:tcPr marL="57628" marR="57628" marT="28814" marB="28814" anchor="ctr">
-                    <a:lnL w="12700" cap="flat" cmpd="sng" algn="ctr">
-                      <a:solidFill>
-                        <a:schemeClr val="tx1"/>
-                      </a:solidFill>
-                      <a:prstDash val="solid"/>
-                      <a:round/>
-                      <a:headEnd type="none" w="med" len="med"/>
-                      <a:tailEnd type="none" w="med" len="med"/>
-                    </a:lnL>
-                    <a:lnR w="12700" cap="flat" cmpd="sng" algn="ctr">
-                      <a:solidFill>
-                        <a:schemeClr val="tx1"/>
-                      </a:solidFill>
-                      <a:prstDash val="solid"/>
-                      <a:round/>
-                      <a:headEnd type="none" w="med" len="med"/>
-                      <a:tailEnd type="none" w="med" len="med"/>
-                    </a:lnR>
-                    <a:lnT w="12700" cap="flat" cmpd="sng" algn="ctr">
-                      <a:solidFill>
-                        <a:schemeClr val="tx1"/>
-                      </a:solidFill>
-                      <a:prstDash val="solid"/>
-                      <a:round/>
-                      <a:headEnd type="none" w="med" len="med"/>
-                      <a:tailEnd type="none" w="med" len="med"/>
-                    </a:lnT>
-                    <a:lnB w="12700" cap="flat" cmpd="sng" algn="ctr">
-                      <a:solidFill>
-                        <a:schemeClr val="tx1"/>
-                      </a:solidFill>
-                      <a:prstDash val="solid"/>
-                      <a:round/>
-                      <a:headEnd type="none" w="med" len="med"/>
-                      <a:tailEnd type="none" w="med" len="med"/>
-                    </a:lnB>
-                    <a:lnTlToBr w="12700" cmpd="sng">
-                      <a:noFill/>
-                      <a:prstDash val="solid"/>
-                    </a:lnTlToBr>
-                    <a:lnBlToTr w="12700" cmpd="sng">
-                      <a:noFill/>
-                      <a:prstDash val="solid"/>
-                    </a:lnBlToTr>
-                    <a:solidFill>
-                      <a:srgbClr val="7030A0">
-                        <a:alpha val="43000"/>
-                      </a:srgbClr>
-                    </a:solidFill>
-                  </a:tcPr>
-                </a:tc>
-                <a:tc>
-                  <a:txBody>
-                    <a:bodyPr/>
-                    <a:lstStyle/>
-                    <a:p>
-                      <a:pPr algn="ctr"/>
-                      <a:r>
-                        <a:rPr lang="en-US" altLang="zh-CN" sz="900" b="0" dirty="0" smtClean="0">
-                          <a:solidFill>
-                            <a:schemeClr val="tx1"/>
-                          </a:solidFill>
-                        </a:rPr>
-                        <a:t>1276</a:t>
-                      </a:r>
-                      <a:endParaRPr lang="zh-CN" altLang="en-US" sz="900" b="0" dirty="0">
-                        <a:solidFill>
-                          <a:schemeClr val="tx1"/>
-                        </a:solidFill>
-                      </a:endParaRPr>
-                    </a:p>
-                  </a:txBody>
-                  <a:tcPr marL="57628" marR="57628" marT="28814" marB="28814" anchor="ctr">
-                    <a:lnL w="12700" cap="flat" cmpd="sng" algn="ctr">
-                      <a:solidFill>
-                        <a:schemeClr val="tx1"/>
-                      </a:solidFill>
-                      <a:prstDash val="solid"/>
-                      <a:round/>
-                      <a:headEnd type="none" w="med" len="med"/>
-                      <a:tailEnd type="none" w="med" len="med"/>
-                    </a:lnL>
-                    <a:lnR w="12700" cap="flat" cmpd="sng" algn="ctr">
-                      <a:solidFill>
-                        <a:schemeClr val="tx1"/>
-                      </a:solidFill>
-                      <a:prstDash val="solid"/>
-                      <a:round/>
-                      <a:headEnd type="none" w="med" len="med"/>
-                      <a:tailEnd type="none" w="med" len="med"/>
-                    </a:lnR>
-                    <a:lnT w="12700" cap="flat" cmpd="sng" algn="ctr">
-                      <a:solidFill>
-                        <a:schemeClr val="tx1"/>
-                      </a:solidFill>
-                      <a:prstDash val="solid"/>
-                      <a:round/>
-                      <a:headEnd type="none" w="med" len="med"/>
-                      <a:tailEnd type="none" w="med" len="med"/>
-                    </a:lnT>
-                    <a:lnB w="12700" cap="flat" cmpd="sng" algn="ctr">
-                      <a:solidFill>
-                        <a:schemeClr val="tx1"/>
-                      </a:solidFill>
-                      <a:prstDash val="solid"/>
-                      <a:round/>
-                      <a:headEnd type="none" w="med" len="med"/>
-                      <a:tailEnd type="none" w="med" len="med"/>
-                    </a:lnB>
-                    <a:lnTlToBr w="12700" cmpd="sng">
-                      <a:noFill/>
-                      <a:prstDash val="solid"/>
-                    </a:lnTlToBr>
-                    <a:lnBlToTr w="12700" cmpd="sng">
-                      <a:noFill/>
-                      <a:prstDash val="solid"/>
-                    </a:lnBlToTr>
-                    <a:solidFill>
-                      <a:srgbClr val="7030A0">
-                        <a:alpha val="43000"/>
-                      </a:srgbClr>
-                    </a:solidFill>
-                  </a:tcPr>
-                </a:tc>
               </a:tr>
-              <a:tr h="357440">
-                <a:tc>
-                  <a:txBody>
-                    <a:bodyPr/>
-                    <a:lstStyle/>
-                    <a:p>
-                      <a:pPr algn="ctr"/>
-                      <a:r>
-                        <a:rPr lang="en-US" altLang="zh-CN" sz="900" b="0" dirty="0" smtClean="0">
-                          <a:solidFill>
-                            <a:schemeClr val="tx1"/>
-                          </a:solidFill>
-                        </a:rPr>
-                        <a:t>1012</a:t>
-                      </a:r>
-                      <a:endParaRPr lang="zh-CN" altLang="en-US" sz="900" b="0" dirty="0">
-                        <a:solidFill>
-                          <a:schemeClr val="tx1"/>
-                        </a:solidFill>
-                      </a:endParaRPr>
-                    </a:p>
-                  </a:txBody>
-                  <a:tcPr marL="57628" marR="57628" marT="28814" marB="28814" anchor="ctr">
-                    <a:lnL w="12700" cap="flat" cmpd="sng" algn="ctr">
-                      <a:solidFill>
-                        <a:schemeClr val="tx1"/>
-                      </a:solidFill>
-                      <a:prstDash val="solid"/>
-                      <a:round/>
-                      <a:headEnd type="none" w="med" len="med"/>
-                      <a:tailEnd type="none" w="med" len="med"/>
-                    </a:lnL>
-                    <a:lnR w="12700" cap="flat" cmpd="sng" algn="ctr">
-                      <a:solidFill>
-                        <a:schemeClr val="tx1"/>
-                      </a:solidFill>
-                      <a:prstDash val="solid"/>
-                      <a:round/>
-                      <a:headEnd type="none" w="med" len="med"/>
-                      <a:tailEnd type="none" w="med" len="med"/>
-                    </a:lnR>
-                    <a:lnT w="12700" cap="flat" cmpd="sng" algn="ctr">
-                      <a:solidFill>
-                        <a:schemeClr val="tx1"/>
-                      </a:solidFill>
-                      <a:prstDash val="solid"/>
-                      <a:round/>
-                      <a:headEnd type="none" w="med" len="med"/>
-                      <a:tailEnd type="none" w="med" len="med"/>
-                    </a:lnT>
-                    <a:lnB w="12700" cap="flat" cmpd="sng" algn="ctr">
-                      <a:solidFill>
-                        <a:schemeClr val="tx1"/>
-                      </a:solidFill>
-                      <a:prstDash val="solid"/>
-                      <a:round/>
-                      <a:headEnd type="none" w="med" len="med"/>
-                      <a:tailEnd type="none" w="med" len="med"/>
-                    </a:lnB>
-                    <a:lnTlToBr w="12700" cmpd="sng">
-                      <a:noFill/>
-                      <a:prstDash val="solid"/>
-                    </a:lnTlToBr>
-                    <a:lnBlToTr w="12700" cmpd="sng">
-                      <a:noFill/>
-                      <a:prstDash val="solid"/>
-                    </a:lnBlToTr>
-                    <a:solidFill>
-                      <a:srgbClr val="7030A0">
-                        <a:alpha val="43000"/>
-                      </a:srgbClr>
-                    </a:solidFill>
-                  </a:tcPr>
-                </a:tc>
-                <a:tc>
-                  <a:txBody>
-                    <a:bodyPr/>
-                    <a:lstStyle/>
-                    <a:p>
-                      <a:pPr algn="ctr"/>
-                      <a:r>
-                        <a:rPr lang="en-US" altLang="zh-CN" sz="900" b="0" dirty="0" smtClean="0">
-                          <a:solidFill>
-                            <a:schemeClr val="tx1"/>
-                          </a:solidFill>
-                        </a:rPr>
-                        <a:t>1372</a:t>
-                      </a:r>
-                      <a:endParaRPr lang="zh-CN" altLang="en-US" sz="900" b="0" dirty="0">
-                        <a:solidFill>
-                          <a:schemeClr val="tx1"/>
-                        </a:solidFill>
-                      </a:endParaRPr>
-                    </a:p>
-                  </a:txBody>
-                  <a:tcPr marL="57628" marR="57628" marT="28814" marB="28814" anchor="ctr">
-                    <a:lnL w="12700" cap="flat" cmpd="sng" algn="ctr">
-                      <a:solidFill>
-                        <a:schemeClr val="tx1"/>
-                      </a:solidFill>
-                      <a:prstDash val="solid"/>
-                      <a:round/>
-                      <a:headEnd type="none" w="med" len="med"/>
-                      <a:tailEnd type="none" w="med" len="med"/>
-                    </a:lnL>
-                    <a:lnR w="12700" cap="flat" cmpd="sng" algn="ctr">
-                      <a:solidFill>
-                        <a:schemeClr val="tx1"/>
-                      </a:solidFill>
-                      <a:prstDash val="solid"/>
-                      <a:round/>
-                      <a:headEnd type="none" w="med" len="med"/>
-                      <a:tailEnd type="none" w="med" len="med"/>
-                    </a:lnR>
-                    <a:lnT w="12700" cap="flat" cmpd="sng" algn="ctr">
-                      <a:solidFill>
-                        <a:schemeClr val="tx1"/>
-                      </a:solidFill>
-                      <a:prstDash val="solid"/>
-                      <a:round/>
-                      <a:headEnd type="none" w="med" len="med"/>
-                      <a:tailEnd type="none" w="med" len="med"/>
-                    </a:lnT>
-                    <a:lnB w="12700" cap="flat" cmpd="sng" algn="ctr">
-                      <a:solidFill>
-                        <a:schemeClr val="tx1"/>
-                      </a:solidFill>
-                      <a:prstDash val="solid"/>
-                      <a:round/>
-                      <a:headEnd type="none" w="med" len="med"/>
-                      <a:tailEnd type="none" w="med" len="med"/>
-                    </a:lnB>
-                    <a:lnTlToBr w="12700" cmpd="sng">
-                      <a:noFill/>
-                      <a:prstDash val="solid"/>
-                    </a:lnTlToBr>
-                    <a:lnBlToTr w="12700" cmpd="sng">
-                      <a:noFill/>
-                      <a:prstDash val="solid"/>
-                    </a:lnBlToTr>
-                    <a:solidFill>
-                      <a:srgbClr val="7030A0">
-                        <a:alpha val="43000"/>
-                      </a:srgbClr>
-                    </a:solidFill>
-                  </a:tcPr>
-                </a:tc>
-                <a:tc>
-                  <a:txBody>
-                    <a:bodyPr/>
-                    <a:lstStyle/>
-                    <a:p>
-                      <a:pPr algn="ctr"/>
-                      <a:r>
-                        <a:rPr lang="en-US" altLang="zh-CN" sz="900" b="0" dirty="0" smtClean="0">
-                          <a:solidFill>
-                            <a:schemeClr val="tx1"/>
-                          </a:solidFill>
-                        </a:rPr>
-                        <a:t>1396</a:t>
-                      </a:r>
-                      <a:endParaRPr lang="zh-CN" altLang="en-US" sz="900" b="0" dirty="0">
-                        <a:solidFill>
-                          <a:schemeClr val="tx1"/>
-                        </a:solidFill>
-                      </a:endParaRPr>
-                    </a:p>
-                  </a:txBody>
-                  <a:tcPr marL="57628" marR="57628" marT="28814" marB="28814" anchor="ctr">
-                    <a:lnL w="12700" cap="flat" cmpd="sng" algn="ctr">
-                      <a:solidFill>
-                        <a:schemeClr val="tx1"/>
-                      </a:solidFill>
-                      <a:prstDash val="solid"/>
-                      <a:round/>
-                      <a:headEnd type="none" w="med" len="med"/>
-                      <a:tailEnd type="none" w="med" len="med"/>
-                    </a:lnL>
-                    <a:lnR w="12700" cap="flat" cmpd="sng" algn="ctr">
-                      <a:solidFill>
-                        <a:schemeClr val="tx1"/>
-                      </a:solidFill>
-                      <a:prstDash val="solid"/>
-                      <a:round/>
-                      <a:headEnd type="none" w="med" len="med"/>
-                      <a:tailEnd type="none" w="med" len="med"/>
-                    </a:lnR>
-                    <a:lnT w="12700" cap="flat" cmpd="sng" algn="ctr">
-                      <a:solidFill>
-                        <a:schemeClr val="tx1"/>
-                      </a:solidFill>
-                      <a:prstDash val="solid"/>
-                      <a:round/>
-                      <a:headEnd type="none" w="med" len="med"/>
-                      <a:tailEnd type="none" w="med" len="med"/>
-                    </a:lnT>
-                    <a:lnB w="12700" cap="flat" cmpd="sng" algn="ctr">
-                      <a:solidFill>
-                        <a:schemeClr val="tx1"/>
-                      </a:solidFill>
-                      <a:prstDash val="solid"/>
-                      <a:round/>
-                      <a:headEnd type="none" w="med" len="med"/>
-                      <a:tailEnd type="none" w="med" len="med"/>
-                    </a:lnB>
-                    <a:lnTlToBr w="12700" cmpd="sng">
-                      <a:noFill/>
-                      <a:prstDash val="solid"/>
-                    </a:lnTlToBr>
-                    <a:lnBlToTr w="12700" cmpd="sng">
-                      <a:noFill/>
-                      <a:prstDash val="solid"/>
-                    </a:lnBlToTr>
-                    <a:solidFill>
-                      <a:srgbClr val="7030A0">
-                        <a:alpha val="43000"/>
-                      </a:srgbClr>
-                    </a:solidFill>
-                  </a:tcPr>
-                </a:tc>
-                <a:tc>
-                  <a:txBody>
-                    <a:bodyPr/>
-                    <a:lstStyle/>
-                    <a:p>
-                      <a:pPr algn="ctr"/>
-                      <a:r>
-                        <a:rPr lang="en-US" altLang="zh-CN" sz="900" b="0" dirty="0" smtClean="0">
-                          <a:solidFill>
-                            <a:schemeClr val="tx1"/>
-                          </a:solidFill>
-                        </a:rPr>
-                        <a:t>1420</a:t>
-                      </a:r>
-                      <a:endParaRPr lang="zh-CN" altLang="en-US" sz="900" b="0" dirty="0">
-                        <a:solidFill>
-                          <a:schemeClr val="tx1"/>
-                        </a:solidFill>
-                      </a:endParaRPr>
-                    </a:p>
-                  </a:txBody>
-                  <a:tcPr marL="57628" marR="57628" marT="28814" marB="28814" anchor="ctr">
-                    <a:lnL w="12700" cap="flat" cmpd="sng" algn="ctr">
-                      <a:solidFill>
-                        <a:schemeClr val="tx1"/>
-                      </a:solidFill>
-                      <a:prstDash val="solid"/>
-                      <a:round/>
-                      <a:headEnd type="none" w="med" len="med"/>
-                      <a:tailEnd type="none" w="med" len="med"/>
-                    </a:lnL>
-                    <a:lnR w="12700" cap="flat" cmpd="sng" algn="ctr">
-                      <a:solidFill>
-                        <a:schemeClr val="tx1"/>
-                      </a:solidFill>
-                      <a:prstDash val="solid"/>
-                      <a:round/>
-                      <a:headEnd type="none" w="med" len="med"/>
-                      <a:tailEnd type="none" w="med" len="med"/>
-                    </a:lnR>
-                    <a:lnT w="12700" cap="flat" cmpd="sng" algn="ctr">
-                      <a:solidFill>
-                        <a:schemeClr val="tx1"/>
-                      </a:solidFill>
-                      <a:prstDash val="solid"/>
-                      <a:round/>
-                      <a:headEnd type="none" w="med" len="med"/>
-                      <a:tailEnd type="none" w="med" len="med"/>
-                    </a:lnT>
-                    <a:lnB w="12700" cap="flat" cmpd="sng" algn="ctr">
-                      <a:solidFill>
-                        <a:schemeClr val="tx1"/>
-                      </a:solidFill>
-                      <a:prstDash val="solid"/>
-                      <a:round/>
-                      <a:headEnd type="none" w="med" len="med"/>
-                      <a:tailEnd type="none" w="med" len="med"/>
-                    </a:lnB>
-                    <a:lnTlToBr w="12700" cmpd="sng">
-                      <a:noFill/>
-                      <a:prstDash val="solid"/>
-                    </a:lnTlToBr>
-                    <a:lnBlToTr w="12700" cmpd="sng">
-                      <a:noFill/>
-                      <a:prstDash val="solid"/>
-                    </a:lnBlToTr>
-                    <a:solidFill>
-                      <a:srgbClr val="7030A0">
-                        <a:alpha val="43000"/>
-                      </a:srgbClr>
-                    </a:solidFill>
-                  </a:tcPr>
-                </a:tc>
-                <a:tc>
-                  <a:txBody>
-                    <a:bodyPr/>
-                    <a:lstStyle/>
-                    <a:p>
-                      <a:pPr algn="ctr"/>
-                      <a:r>
-                        <a:rPr lang="en-US" altLang="zh-CN" sz="900" b="0" dirty="0" smtClean="0">
-                          <a:solidFill>
-                            <a:schemeClr val="tx1"/>
-                          </a:solidFill>
-                        </a:rPr>
-                        <a:t>1444</a:t>
-                      </a:r>
-                      <a:endParaRPr lang="zh-CN" altLang="en-US" sz="900" b="0" dirty="0">
-                        <a:solidFill>
-                          <a:schemeClr val="tx1"/>
-                        </a:solidFill>
-                      </a:endParaRPr>
-                    </a:p>
-                  </a:txBody>
-                  <a:tcPr marL="57628" marR="57628" marT="28814" marB="28814" anchor="ctr">
-                    <a:lnL w="12700" cap="flat" cmpd="sng" algn="ctr">
-                      <a:solidFill>
-                        <a:schemeClr val="tx1"/>
-                      </a:solidFill>
-                      <a:prstDash val="solid"/>
-                      <a:round/>
-                      <a:headEnd type="none" w="med" len="med"/>
-                      <a:tailEnd type="none" w="med" len="med"/>
-                    </a:lnL>
-                    <a:lnR w="12700" cap="flat" cmpd="sng" algn="ctr">
-                      <a:solidFill>
-                        <a:schemeClr val="tx1"/>
-                      </a:solidFill>
-                      <a:prstDash val="solid"/>
-                      <a:round/>
-                      <a:headEnd type="none" w="med" len="med"/>
-                      <a:tailEnd type="none" w="med" len="med"/>
-                    </a:lnR>
-                    <a:lnT w="12700" cap="flat" cmpd="sng" algn="ctr">
-                      <a:solidFill>
-                        <a:schemeClr val="tx1"/>
-                      </a:solidFill>
-                      <a:prstDash val="solid"/>
-                      <a:round/>
-                      <a:headEnd type="none" w="med" len="med"/>
-                      <a:tailEnd type="none" w="med" len="med"/>
-                    </a:lnT>
-                    <a:lnB w="12700" cap="flat" cmpd="sng" algn="ctr">
-                      <a:solidFill>
-                        <a:schemeClr val="tx1"/>
-                      </a:solidFill>
-                      <a:prstDash val="solid"/>
-                      <a:round/>
-                      <a:headEnd type="none" w="med" len="med"/>
-                      <a:tailEnd type="none" w="med" len="med"/>
-                    </a:lnB>
-                    <a:lnTlToBr w="12700" cmpd="sng">
-                      <a:noFill/>
-                      <a:prstDash val="solid"/>
-                    </a:lnTlToBr>
-                    <a:lnBlToTr w="12700" cmpd="sng">
-                      <a:noFill/>
-                      <a:prstDash val="solid"/>
-                    </a:lnBlToTr>
-                    <a:solidFill>
-                      <a:srgbClr val="7030A0">
-                        <a:alpha val="43000"/>
-                      </a:srgbClr>
-                    </a:solidFill>
-                  </a:tcPr>
-                </a:tc>
-                <a:tc>
-                  <a:txBody>
-                    <a:bodyPr/>
-                    <a:lstStyle/>
-                    <a:p>
-                      <a:pPr algn="ctr"/>
-                      <a:r>
-                        <a:rPr lang="en-US" altLang="zh-CN" sz="900" b="0" dirty="0" smtClean="0">
-                          <a:solidFill>
-                            <a:schemeClr val="tx1"/>
-                          </a:solidFill>
-                        </a:rPr>
-                        <a:t>1468</a:t>
-                      </a:r>
-                      <a:endParaRPr lang="zh-CN" altLang="en-US" sz="900" b="0" dirty="0">
-                        <a:solidFill>
-                          <a:schemeClr val="tx1"/>
-                        </a:solidFill>
-                      </a:endParaRPr>
-                    </a:p>
-                  </a:txBody>
-                  <a:tcPr marL="57628" marR="57628" marT="28814" marB="28814" anchor="ctr">
-                    <a:lnL w="12700" cap="flat" cmpd="sng" algn="ctr">
-                      <a:solidFill>
-                        <a:schemeClr val="tx1"/>
-                      </a:solidFill>
-                      <a:prstDash val="solid"/>
-                      <a:round/>
-                      <a:headEnd type="none" w="med" len="med"/>
-                      <a:tailEnd type="none" w="med" len="med"/>
-                    </a:lnL>
-                    <a:lnR w="12700" cap="flat" cmpd="sng" algn="ctr">
-                      <a:solidFill>
-                        <a:schemeClr val="tx1"/>
-                      </a:solidFill>
-                      <a:prstDash val="solid"/>
-                      <a:round/>
-                      <a:headEnd type="none" w="med" len="med"/>
-                      <a:tailEnd type="none" w="med" len="med"/>
-                    </a:lnR>
-                    <a:lnT w="12700" cap="flat" cmpd="sng" algn="ctr">
-                      <a:solidFill>
-                        <a:schemeClr val="tx1"/>
-                      </a:solidFill>
-                      <a:prstDash val="solid"/>
-                      <a:round/>
-                      <a:headEnd type="none" w="med" len="med"/>
-                      <a:tailEnd type="none" w="med" len="med"/>
-                    </a:lnT>
-                    <a:lnB w="12700" cap="flat" cmpd="sng" algn="ctr">
-                      <a:solidFill>
-                        <a:schemeClr val="tx1"/>
-                      </a:solidFill>
-                      <a:prstDash val="solid"/>
-                      <a:round/>
-                      <a:headEnd type="none" w="med" len="med"/>
-                      <a:tailEnd type="none" w="med" len="med"/>
-                    </a:lnB>
-                    <a:lnTlToBr w="12700" cmpd="sng">
-                      <a:noFill/>
-                      <a:prstDash val="solid"/>
-                    </a:lnTlToBr>
-                    <a:lnBlToTr w="12700" cmpd="sng">
-                      <a:noFill/>
-                      <a:prstDash val="solid"/>
-                    </a:lnBlToTr>
-                    <a:solidFill>
-                      <a:srgbClr val="7030A0">
-                        <a:alpha val="43000"/>
-                      </a:srgbClr>
-                    </a:solidFill>
-                  </a:tcPr>
-                </a:tc>
-              </a:tr>
-              <a:tr h="357440">
-                <a:tc>
-                  <a:txBody>
-                    <a:bodyPr/>
-                    <a:lstStyle/>
-                    <a:p>
-                      <a:pPr algn="ctr"/>
-                      <a:r>
-                        <a:rPr lang="en-US" altLang="zh-CN" sz="900" b="0" dirty="0" smtClean="0">
-                          <a:solidFill>
-                            <a:schemeClr val="tx1"/>
-                          </a:solidFill>
-                        </a:rPr>
-                        <a:t>1036</a:t>
-                      </a:r>
-                      <a:endParaRPr lang="zh-CN" altLang="en-US" sz="900" b="0" dirty="0">
-                        <a:solidFill>
-                          <a:schemeClr val="tx1"/>
-                        </a:solidFill>
-                      </a:endParaRPr>
-                    </a:p>
-                  </a:txBody>
-                  <a:tcPr marL="57628" marR="57628" marT="28814" marB="28814" anchor="ctr">
-                    <a:lnL w="12700" cap="flat" cmpd="sng" algn="ctr">
-                      <a:solidFill>
-                        <a:schemeClr val="tx1"/>
-                      </a:solidFill>
-                      <a:prstDash val="solid"/>
-                      <a:round/>
-                      <a:headEnd type="none" w="med" len="med"/>
-                      <a:tailEnd type="none" w="med" len="med"/>
-                    </a:lnL>
-                    <a:lnR w="12700" cap="flat" cmpd="sng" algn="ctr">
-                      <a:solidFill>
-                        <a:schemeClr val="tx1"/>
-                      </a:solidFill>
-                      <a:prstDash val="solid"/>
-                      <a:round/>
-                      <a:headEnd type="none" w="med" len="med"/>
-                      <a:tailEnd type="none" w="med" len="med"/>
-                    </a:lnR>
-                    <a:lnT w="12700" cap="flat" cmpd="sng" algn="ctr">
-                      <a:solidFill>
-                        <a:schemeClr val="tx1"/>
-                      </a:solidFill>
-                      <a:prstDash val="solid"/>
-                      <a:round/>
-                      <a:headEnd type="none" w="med" len="med"/>
-                      <a:tailEnd type="none" w="med" len="med"/>
-                    </a:lnT>
-                    <a:lnB w="12700" cap="flat" cmpd="sng" algn="ctr">
-                      <a:solidFill>
-                        <a:schemeClr val="tx1"/>
-                      </a:solidFill>
-                      <a:prstDash val="solid"/>
-                      <a:round/>
-                      <a:headEnd type="none" w="med" len="med"/>
-                      <a:tailEnd type="none" w="med" len="med"/>
-                    </a:lnB>
-                    <a:lnTlToBr w="12700" cmpd="sng">
-                      <a:noFill/>
-                      <a:prstDash val="solid"/>
-                    </a:lnTlToBr>
-                    <a:lnBlToTr w="12700" cmpd="sng">
-                      <a:noFill/>
-                      <a:prstDash val="solid"/>
-                    </a:lnBlToTr>
-                    <a:solidFill>
-                      <a:srgbClr val="7030A0">
-                        <a:alpha val="43000"/>
-                      </a:srgbClr>
-                    </a:solidFill>
-                  </a:tcPr>
-                </a:tc>
-                <a:tc>
-                  <a:txBody>
-                    <a:bodyPr/>
-                    <a:lstStyle/>
-                    <a:p>
-                      <a:pPr algn="ctr"/>
-                      <a:r>
-                        <a:rPr lang="en-US" altLang="zh-CN" sz="900" b="0" dirty="0" smtClean="0">
-                          <a:solidFill>
-                            <a:schemeClr val="tx1"/>
-                          </a:solidFill>
-                        </a:rPr>
-                        <a:t>1564</a:t>
-                      </a:r>
-                      <a:endParaRPr lang="zh-CN" altLang="en-US" sz="900" b="0" dirty="0">
-                        <a:solidFill>
-                          <a:schemeClr val="tx1"/>
-                        </a:solidFill>
-                      </a:endParaRPr>
-                    </a:p>
-                  </a:txBody>
-                  <a:tcPr marL="57628" marR="57628" marT="28814" marB="28814" anchor="ctr">
-                    <a:lnL w="12700" cap="flat" cmpd="sng" algn="ctr">
-                      <a:solidFill>
-                        <a:schemeClr val="tx1"/>
-                      </a:solidFill>
-                      <a:prstDash val="solid"/>
-                      <a:round/>
-                      <a:headEnd type="none" w="med" len="med"/>
-                      <a:tailEnd type="none" w="med" len="med"/>
-                    </a:lnL>
-                    <a:lnR w="12700" cap="flat" cmpd="sng" algn="ctr">
-                      <a:solidFill>
-                        <a:schemeClr val="tx1"/>
-                      </a:solidFill>
-                      <a:prstDash val="solid"/>
-                      <a:round/>
-                      <a:headEnd type="none" w="med" len="med"/>
-                      <a:tailEnd type="none" w="med" len="med"/>
-                    </a:lnR>
-                    <a:lnT w="12700" cap="flat" cmpd="sng" algn="ctr">
-                      <a:solidFill>
-                        <a:schemeClr val="tx1"/>
-                      </a:solidFill>
-                      <a:prstDash val="solid"/>
-                      <a:round/>
-                      <a:headEnd type="none" w="med" len="med"/>
-                      <a:tailEnd type="none" w="med" len="med"/>
-                    </a:lnT>
-                    <a:lnB w="12700" cap="flat" cmpd="sng" algn="ctr">
-                      <a:solidFill>
-                        <a:schemeClr val="tx1"/>
-                      </a:solidFill>
-                      <a:prstDash val="solid"/>
-                      <a:round/>
-                      <a:headEnd type="none" w="med" len="med"/>
-                      <a:tailEnd type="none" w="med" len="med"/>
-                    </a:lnB>
-                    <a:lnTlToBr w="12700" cmpd="sng">
-                      <a:noFill/>
-                      <a:prstDash val="solid"/>
-                    </a:lnTlToBr>
-                    <a:lnBlToTr w="12700" cmpd="sng">
-                      <a:noFill/>
-                      <a:prstDash val="solid"/>
-                    </a:lnBlToTr>
-                    <a:solidFill>
-                      <a:srgbClr val="7030A0">
-                        <a:alpha val="43000"/>
-                      </a:srgbClr>
-                    </a:solidFill>
-                  </a:tcPr>
-                </a:tc>
-                <a:tc>
-                  <a:txBody>
-                    <a:bodyPr/>
-                    <a:lstStyle/>
-                    <a:p>
-                      <a:pPr algn="ctr"/>
-                      <a:r>
-                        <a:rPr lang="en-US" altLang="zh-CN" sz="900" b="0" dirty="0" smtClean="0">
-                          <a:solidFill>
-                            <a:schemeClr val="tx1"/>
-                          </a:solidFill>
-                        </a:rPr>
-                        <a:t>1588</a:t>
-                      </a:r>
-                      <a:endParaRPr lang="zh-CN" altLang="en-US" sz="900" b="0" dirty="0">
-                        <a:solidFill>
-                          <a:schemeClr val="tx1"/>
-                        </a:solidFill>
-                      </a:endParaRPr>
-                    </a:p>
-                  </a:txBody>
-                  <a:tcPr marL="57628" marR="57628" marT="28814" marB="28814" anchor="ctr">
-                    <a:lnL w="12700" cap="flat" cmpd="sng" algn="ctr">
-                      <a:solidFill>
-                        <a:schemeClr val="tx1"/>
-                      </a:solidFill>
-                      <a:prstDash val="solid"/>
-                      <a:round/>
-                      <a:headEnd type="none" w="med" len="med"/>
-                      <a:tailEnd type="none" w="med" len="med"/>
-                    </a:lnL>
-                    <a:lnR w="12700" cap="flat" cmpd="sng" algn="ctr">
-                      <a:solidFill>
-                        <a:schemeClr val="tx1"/>
-                      </a:solidFill>
-                      <a:prstDash val="solid"/>
-                      <a:round/>
-                      <a:headEnd type="none" w="med" len="med"/>
-                      <a:tailEnd type="none" w="med" len="med"/>
-                    </a:lnR>
-                    <a:lnT w="12700" cap="flat" cmpd="sng" algn="ctr">
-                      <a:solidFill>
-                        <a:schemeClr val="tx1"/>
-                      </a:solidFill>
-                      <a:prstDash val="solid"/>
-                      <a:round/>
-                      <a:headEnd type="none" w="med" len="med"/>
-                      <a:tailEnd type="none" w="med" len="med"/>
-                    </a:lnT>
-                    <a:lnB w="12700" cap="flat" cmpd="sng" algn="ctr">
-                      <a:solidFill>
-                        <a:schemeClr val="tx1"/>
-                      </a:solidFill>
-                      <a:prstDash val="solid"/>
-                      <a:round/>
-                      <a:headEnd type="none" w="med" len="med"/>
-                      <a:tailEnd type="none" w="med" len="med"/>
-                    </a:lnB>
-                    <a:lnTlToBr w="12700" cmpd="sng">
-                      <a:noFill/>
-                      <a:prstDash val="solid"/>
-                    </a:lnTlToBr>
-                    <a:lnBlToTr w="12700" cmpd="sng">
-                      <a:noFill/>
-                      <a:prstDash val="solid"/>
-                    </a:lnBlToTr>
-                    <a:solidFill>
-                      <a:srgbClr val="7030A0">
-                        <a:alpha val="43000"/>
-                      </a:srgbClr>
-                    </a:solidFill>
-                  </a:tcPr>
-                </a:tc>
-                <a:tc>
-                  <a:txBody>
-                    <a:bodyPr/>
-                    <a:lstStyle/>
-                    <a:p>
-                      <a:pPr algn="ctr"/>
-                      <a:r>
-                        <a:rPr lang="en-US" altLang="zh-CN" sz="900" b="0" dirty="0" smtClean="0">
-                          <a:solidFill>
-                            <a:schemeClr val="tx1"/>
-                          </a:solidFill>
-                        </a:rPr>
-                        <a:t>1612</a:t>
-                      </a:r>
-                      <a:endParaRPr lang="zh-CN" altLang="en-US" sz="900" b="0" dirty="0">
-                        <a:solidFill>
-                          <a:schemeClr val="tx1"/>
-                        </a:solidFill>
-                      </a:endParaRPr>
-                    </a:p>
-                  </a:txBody>
-                  <a:tcPr marL="57628" marR="57628" marT="28814" marB="28814" anchor="ctr">
-                    <a:lnL w="12700" cap="flat" cmpd="sng" algn="ctr">
-                      <a:solidFill>
-                        <a:schemeClr val="tx1"/>
-                      </a:solidFill>
-                      <a:prstDash val="solid"/>
-                      <a:round/>
-                      <a:headEnd type="none" w="med" len="med"/>
-                      <a:tailEnd type="none" w="med" len="med"/>
-                    </a:lnL>
-                    <a:lnR w="12700" cap="flat" cmpd="sng" algn="ctr">
-                      <a:solidFill>
-                        <a:schemeClr val="tx1"/>
-                      </a:solidFill>
-                      <a:prstDash val="solid"/>
-                      <a:round/>
-                      <a:headEnd type="none" w="med" len="med"/>
-                      <a:tailEnd type="none" w="med" len="med"/>
-                    </a:lnR>
-                    <a:lnT w="12700" cap="flat" cmpd="sng" algn="ctr">
-                      <a:solidFill>
-                        <a:schemeClr val="tx1"/>
-                      </a:solidFill>
-                      <a:prstDash val="solid"/>
-                      <a:round/>
-                      <a:headEnd type="none" w="med" len="med"/>
-                      <a:tailEnd type="none" w="med" len="med"/>
-                    </a:lnT>
-                    <a:lnB w="12700" cap="flat" cmpd="sng" algn="ctr">
-                      <a:solidFill>
-                        <a:schemeClr val="tx1"/>
-                      </a:solidFill>
-                      <a:prstDash val="solid"/>
-                      <a:round/>
-                      <a:headEnd type="none" w="med" len="med"/>
-                      <a:tailEnd type="none" w="med" len="med"/>
-                    </a:lnB>
-                    <a:lnTlToBr w="12700" cmpd="sng">
-                      <a:noFill/>
-                      <a:prstDash val="solid"/>
-                    </a:lnTlToBr>
-                    <a:lnBlToTr w="12700" cmpd="sng">
-                      <a:noFill/>
-                      <a:prstDash val="solid"/>
-                    </a:lnBlToTr>
-                    <a:solidFill>
-                      <a:srgbClr val="7030A0">
-                        <a:alpha val="43000"/>
-                      </a:srgbClr>
-                    </a:solidFill>
-                  </a:tcPr>
-                </a:tc>
-                <a:tc>
-                  <a:txBody>
-                    <a:bodyPr/>
-                    <a:lstStyle/>
-                    <a:p>
-                      <a:pPr algn="ctr"/>
-                      <a:r>
-                        <a:rPr lang="en-US" altLang="zh-CN" sz="900" b="0" dirty="0" smtClean="0">
-                          <a:solidFill>
-                            <a:schemeClr val="tx1"/>
-                          </a:solidFill>
-                        </a:rPr>
-                        <a:t>1636</a:t>
-                      </a:r>
-                      <a:endParaRPr lang="zh-CN" altLang="en-US" sz="900" b="0" dirty="0">
-                        <a:solidFill>
-                          <a:schemeClr val="tx1"/>
-                        </a:solidFill>
-                      </a:endParaRPr>
-                    </a:p>
-                  </a:txBody>
-                  <a:tcPr marL="57628" marR="57628" marT="28814" marB="28814" anchor="ctr">
-                    <a:lnL w="12700" cap="flat" cmpd="sng" algn="ctr">
-                      <a:solidFill>
-                        <a:schemeClr val="tx1"/>
-                      </a:solidFill>
-                      <a:prstDash val="solid"/>
-                      <a:round/>
-                      <a:headEnd type="none" w="med" len="med"/>
-                      <a:tailEnd type="none" w="med" len="med"/>
-                    </a:lnL>
-                    <a:lnR w="12700" cap="flat" cmpd="sng" algn="ctr">
-                      <a:solidFill>
-                        <a:schemeClr val="tx1"/>
-                      </a:solidFill>
-                      <a:prstDash val="solid"/>
-                      <a:round/>
-                      <a:headEnd type="none" w="med" len="med"/>
-                      <a:tailEnd type="none" w="med" len="med"/>
-                    </a:lnR>
-                    <a:lnT w="12700" cap="flat" cmpd="sng" algn="ctr">
-                      <a:solidFill>
-                        <a:schemeClr val="tx1"/>
-                      </a:solidFill>
-                      <a:prstDash val="solid"/>
-                      <a:round/>
-                      <a:headEnd type="none" w="med" len="med"/>
-                      <a:tailEnd type="none" w="med" len="med"/>
-                    </a:lnT>
-                    <a:lnB w="12700" cap="flat" cmpd="sng" algn="ctr">
-                      <a:solidFill>
-                        <a:schemeClr val="tx1"/>
-                      </a:solidFill>
-                      <a:prstDash val="solid"/>
-                      <a:round/>
-                      <a:headEnd type="none" w="med" len="med"/>
-                      <a:tailEnd type="none" w="med" len="med"/>
-                    </a:lnB>
-                    <a:lnTlToBr w="12700" cmpd="sng">
-                      <a:noFill/>
-                      <a:prstDash val="solid"/>
-                    </a:lnTlToBr>
-                    <a:lnBlToTr w="12700" cmpd="sng">
-                      <a:noFill/>
-                      <a:prstDash val="solid"/>
-                    </a:lnBlToTr>
-                    <a:solidFill>
-                      <a:srgbClr val="7030A0">
-                        <a:alpha val="43000"/>
-                      </a:srgbClr>
-                    </a:solidFill>
-                  </a:tcPr>
-                </a:tc>
-                <a:tc>
-                  <a:txBody>
-                    <a:bodyPr/>
-                    <a:lstStyle/>
-                    <a:p>
-                      <a:pPr algn="ctr"/>
-                      <a:r>
-                        <a:rPr lang="en-US" altLang="zh-CN" sz="900" b="0" dirty="0" smtClean="0">
-                          <a:solidFill>
-                            <a:schemeClr val="tx1"/>
-                          </a:solidFill>
-                        </a:rPr>
-                        <a:t>1660</a:t>
-                      </a:r>
-                      <a:endParaRPr lang="zh-CN" altLang="en-US" sz="900" b="0" dirty="0">
-                        <a:solidFill>
-                          <a:schemeClr val="tx1"/>
-                        </a:solidFill>
-                      </a:endParaRPr>
-                    </a:p>
-                  </a:txBody>
-                  <a:tcPr marL="57628" marR="57628" marT="28814" marB="28814" anchor="ctr">
-                    <a:lnL w="12700" cap="flat" cmpd="sng" algn="ctr">
-                      <a:solidFill>
-                        <a:schemeClr val="tx1"/>
-                      </a:solidFill>
-                      <a:prstDash val="solid"/>
-                      <a:round/>
-                      <a:headEnd type="none" w="med" len="med"/>
-                      <a:tailEnd type="none" w="med" len="med"/>
-                    </a:lnL>
-                    <a:lnR w="12700" cap="flat" cmpd="sng" algn="ctr">
-                      <a:solidFill>
-                        <a:schemeClr val="tx1"/>
-                      </a:solidFill>
-                      <a:prstDash val="solid"/>
-                      <a:round/>
-                      <a:headEnd type="none" w="med" len="med"/>
-                      <a:tailEnd type="none" w="med" len="med"/>
-                    </a:lnR>
-                    <a:lnT w="12700" cap="flat" cmpd="sng" algn="ctr">
-                      <a:solidFill>
-                        <a:schemeClr val="tx1"/>
-                      </a:solidFill>
-                      <a:prstDash val="solid"/>
-                      <a:round/>
-                      <a:headEnd type="none" w="med" len="med"/>
-                      <a:tailEnd type="none" w="med" len="med"/>
-                    </a:lnT>
-                    <a:lnB w="12700" cap="flat" cmpd="sng" algn="ctr">
-                      <a:solidFill>
-                        <a:schemeClr val="tx1"/>
-                      </a:solidFill>
-                      <a:prstDash val="solid"/>
-                      <a:round/>
-                      <a:headEnd type="none" w="med" len="med"/>
-                      <a:tailEnd type="none" w="med" len="med"/>
-                    </a:lnB>
-                    <a:lnTlToBr w="12700" cmpd="sng">
-                      <a:noFill/>
-                      <a:prstDash val="solid"/>
-                    </a:lnTlToBr>
-                    <a:lnBlToTr w="12700" cmpd="sng">
-                      <a:noFill/>
-                      <a:prstDash val="solid"/>
-                    </a:lnBlToTr>
-                    <a:solidFill>
-                      <a:srgbClr val="7030A0">
-                        <a:alpha val="43000"/>
-                      </a:srgbClr>
-                    </a:solidFill>
-                  </a:tcPr>
-                </a:tc>
-              </a:tr>
-              <a:tr h="357440">
-                <a:tc>
-                  <a:txBody>
-                    <a:bodyPr/>
-                    <a:lstStyle/>
-                    <a:p>
-                      <a:pPr algn="ctr"/>
-                      <a:r>
-                        <a:rPr lang="en-US" altLang="zh-CN" sz="900" b="0" dirty="0" smtClean="0">
-                          <a:solidFill>
-                            <a:schemeClr val="tx1"/>
-                          </a:solidFill>
-                        </a:rPr>
-                        <a:t>1060</a:t>
-                      </a:r>
-                      <a:endParaRPr lang="zh-CN" altLang="en-US" sz="900" b="0" dirty="0">
-                        <a:solidFill>
-                          <a:schemeClr val="tx1"/>
-                        </a:solidFill>
-                      </a:endParaRPr>
-                    </a:p>
-                  </a:txBody>
-                  <a:tcPr marL="57628" marR="57628" marT="28814" marB="28814" anchor="ctr">
-                    <a:lnL w="12700" cap="flat" cmpd="sng" algn="ctr">
-                      <a:solidFill>
-                        <a:schemeClr val="tx1"/>
-                      </a:solidFill>
-                      <a:prstDash val="solid"/>
-                      <a:round/>
-                      <a:headEnd type="none" w="med" len="med"/>
-                      <a:tailEnd type="none" w="med" len="med"/>
-                    </a:lnL>
-                    <a:lnR w="12700" cap="flat" cmpd="sng" algn="ctr">
-                      <a:solidFill>
-                        <a:schemeClr val="tx1"/>
-                      </a:solidFill>
-                      <a:prstDash val="solid"/>
-                      <a:round/>
-                      <a:headEnd type="none" w="med" len="med"/>
-                      <a:tailEnd type="none" w="med" len="med"/>
-                    </a:lnR>
-                    <a:lnT w="12700" cap="flat" cmpd="sng" algn="ctr">
-                      <a:solidFill>
-                        <a:schemeClr val="tx1"/>
-                      </a:solidFill>
-                      <a:prstDash val="solid"/>
-                      <a:round/>
-                      <a:headEnd type="none" w="med" len="med"/>
-                      <a:tailEnd type="none" w="med" len="med"/>
-                    </a:lnT>
-                    <a:lnB w="12700" cap="flat" cmpd="sng" algn="ctr">
-                      <a:solidFill>
-                        <a:schemeClr val="tx1"/>
-                      </a:solidFill>
-                      <a:prstDash val="solid"/>
-                      <a:round/>
-                      <a:headEnd type="none" w="med" len="med"/>
-                      <a:tailEnd type="none" w="med" len="med"/>
-                    </a:lnB>
-                    <a:lnTlToBr w="12700" cmpd="sng">
-                      <a:noFill/>
-                      <a:prstDash val="solid"/>
-                    </a:lnTlToBr>
-                    <a:lnBlToTr w="12700" cmpd="sng">
-                      <a:noFill/>
-                      <a:prstDash val="solid"/>
-                    </a:lnBlToTr>
-                    <a:solidFill>
-                      <a:srgbClr val="7030A0">
-                        <a:alpha val="43000"/>
-                      </a:srgbClr>
-                    </a:solidFill>
-                  </a:tcPr>
-                </a:tc>
-                <a:tc>
-                  <a:txBody>
-                    <a:bodyPr/>
-                    <a:lstStyle/>
-                    <a:p>
-                      <a:pPr algn="ctr"/>
-                      <a:r>
-                        <a:rPr lang="en-US" altLang="zh-CN" sz="900" b="0" dirty="0" smtClean="0">
-                          <a:solidFill>
-                            <a:schemeClr val="tx1"/>
-                          </a:solidFill>
-                        </a:rPr>
-                        <a:t>1756</a:t>
-                      </a:r>
-                      <a:endParaRPr lang="zh-CN" altLang="en-US" sz="900" b="0" dirty="0">
-                        <a:solidFill>
-                          <a:schemeClr val="tx1"/>
-                        </a:solidFill>
-                      </a:endParaRPr>
-                    </a:p>
-                  </a:txBody>
-                  <a:tcPr marL="57628" marR="57628" marT="28814" marB="28814" anchor="ctr">
-                    <a:lnL w="12700" cap="flat" cmpd="sng" algn="ctr">
-                      <a:solidFill>
-                        <a:schemeClr val="tx1"/>
-                      </a:solidFill>
-                      <a:prstDash val="solid"/>
-                      <a:round/>
-                      <a:headEnd type="none" w="med" len="med"/>
-                      <a:tailEnd type="none" w="med" len="med"/>
-                    </a:lnL>
-                    <a:lnR w="12700" cap="flat" cmpd="sng" algn="ctr">
-                      <a:solidFill>
-                        <a:schemeClr val="tx1"/>
-                      </a:solidFill>
-                      <a:prstDash val="solid"/>
-                      <a:round/>
-                      <a:headEnd type="none" w="med" len="med"/>
-                      <a:tailEnd type="none" w="med" len="med"/>
-                    </a:lnR>
-                    <a:lnT w="12700" cap="flat" cmpd="sng" algn="ctr">
-                      <a:solidFill>
-                        <a:schemeClr val="tx1"/>
-                      </a:solidFill>
-                      <a:prstDash val="solid"/>
-                      <a:round/>
-                      <a:headEnd type="none" w="med" len="med"/>
-                      <a:tailEnd type="none" w="med" len="med"/>
-                    </a:lnT>
-                    <a:lnB w="12700" cap="flat" cmpd="sng" algn="ctr">
-                      <a:solidFill>
-                        <a:schemeClr val="tx1"/>
-                      </a:solidFill>
-                      <a:prstDash val="solid"/>
-                      <a:round/>
-                      <a:headEnd type="none" w="med" len="med"/>
-                      <a:tailEnd type="none" w="med" len="med"/>
-                    </a:lnB>
-                    <a:lnTlToBr w="12700" cmpd="sng">
-                      <a:noFill/>
-                      <a:prstDash val="solid"/>
-                    </a:lnTlToBr>
-                    <a:lnBlToTr w="12700" cmpd="sng">
-                      <a:noFill/>
-                      <a:prstDash val="solid"/>
-                    </a:lnBlToTr>
-                    <a:solidFill>
-                      <a:srgbClr val="7030A0">
-                        <a:alpha val="43000"/>
-                      </a:srgbClr>
-                    </a:solidFill>
-                  </a:tcPr>
-                </a:tc>
-                <a:tc>
-                  <a:txBody>
-                    <a:bodyPr/>
-                    <a:lstStyle/>
-                    <a:p>
-                      <a:pPr algn="ctr"/>
-                      <a:r>
-                        <a:rPr lang="en-US" altLang="zh-CN" sz="900" b="0" dirty="0" smtClean="0">
-                          <a:solidFill>
-                            <a:schemeClr val="tx1"/>
-                          </a:solidFill>
-                        </a:rPr>
-                        <a:t>1780</a:t>
-                      </a:r>
-                      <a:endParaRPr lang="zh-CN" altLang="en-US" sz="900" b="0" dirty="0">
-                        <a:solidFill>
-                          <a:schemeClr val="tx1"/>
-                        </a:solidFill>
-                      </a:endParaRPr>
-                    </a:p>
-                  </a:txBody>
-                  <a:tcPr marL="57628" marR="57628" marT="28814" marB="28814" anchor="ctr">
-                    <a:lnL w="12700" cap="flat" cmpd="sng" algn="ctr">
-                      <a:solidFill>
-                        <a:schemeClr val="tx1"/>
-                      </a:solidFill>
-                      <a:prstDash val="solid"/>
-                      <a:round/>
-                      <a:headEnd type="none" w="med" len="med"/>
-                      <a:tailEnd type="none" w="med" len="med"/>
-                    </a:lnL>
-                    <a:lnR w="12700" cap="flat" cmpd="sng" algn="ctr">
-                      <a:solidFill>
-                        <a:schemeClr val="tx1"/>
-                      </a:solidFill>
-                      <a:prstDash val="solid"/>
-                      <a:round/>
-                      <a:headEnd type="none" w="med" len="med"/>
-                      <a:tailEnd type="none" w="med" len="med"/>
-                    </a:lnR>
-                    <a:lnT w="12700" cap="flat" cmpd="sng" algn="ctr">
-                      <a:solidFill>
-                        <a:schemeClr val="tx1"/>
-                      </a:solidFill>
-                      <a:prstDash val="solid"/>
-                      <a:round/>
-                      <a:headEnd type="none" w="med" len="med"/>
-                      <a:tailEnd type="none" w="med" len="med"/>
-                    </a:lnT>
-                    <a:lnB w="12700" cap="flat" cmpd="sng" algn="ctr">
-                      <a:solidFill>
-                        <a:schemeClr val="tx1"/>
-                      </a:solidFill>
-                      <a:prstDash val="solid"/>
-                      <a:round/>
-                      <a:headEnd type="none" w="med" len="med"/>
-                      <a:tailEnd type="none" w="med" len="med"/>
-                    </a:lnB>
-                    <a:lnTlToBr w="12700" cmpd="sng">
-                      <a:noFill/>
-                      <a:prstDash val="solid"/>
-                    </a:lnTlToBr>
-                    <a:lnBlToTr w="12700" cmpd="sng">
-                      <a:noFill/>
-                      <a:prstDash val="solid"/>
-                    </a:lnBlToTr>
-                    <a:solidFill>
-                      <a:srgbClr val="7030A0">
-                        <a:alpha val="43000"/>
-                      </a:srgbClr>
-                    </a:solidFill>
-                  </a:tcPr>
-                </a:tc>
-                <a:tc>
-                  <a:txBody>
-                    <a:bodyPr/>
-                    <a:lstStyle/>
-                    <a:p>
-                      <a:pPr algn="ctr"/>
-                      <a:r>
-                        <a:rPr lang="en-US" altLang="zh-CN" sz="900" b="0" dirty="0" smtClean="0">
-                          <a:solidFill>
-                            <a:schemeClr val="tx1"/>
-                          </a:solidFill>
-                        </a:rPr>
-                        <a:t>1804</a:t>
-                      </a:r>
-                      <a:endParaRPr lang="zh-CN" altLang="en-US" sz="900" b="0" dirty="0">
-                        <a:solidFill>
-                          <a:schemeClr val="tx1"/>
-                        </a:solidFill>
-                      </a:endParaRPr>
-                    </a:p>
-                  </a:txBody>
-                  <a:tcPr marL="57628" marR="57628" marT="28814" marB="28814" anchor="ctr">
-                    <a:lnL w="12700" cap="flat" cmpd="sng" algn="ctr">
-                      <a:solidFill>
-                        <a:schemeClr val="tx1"/>
-                      </a:solidFill>
-                      <a:prstDash val="solid"/>
-                      <a:round/>
-                      <a:headEnd type="none" w="med" len="med"/>
-                      <a:tailEnd type="none" w="med" len="med"/>
-                    </a:lnL>
-                    <a:lnR w="12700" cap="flat" cmpd="sng" algn="ctr">
-                      <a:solidFill>
-                        <a:schemeClr val="tx1"/>
-                      </a:solidFill>
-                      <a:prstDash val="solid"/>
-                      <a:round/>
-                      <a:headEnd type="none" w="med" len="med"/>
-                      <a:tailEnd type="none" w="med" len="med"/>
-                    </a:lnR>
-                    <a:lnT w="12700" cap="flat" cmpd="sng" algn="ctr">
-                      <a:solidFill>
-                        <a:schemeClr val="tx1"/>
-                      </a:solidFill>
-                      <a:prstDash val="solid"/>
-                      <a:round/>
-                      <a:headEnd type="none" w="med" len="med"/>
-                      <a:tailEnd type="none" w="med" len="med"/>
-                    </a:lnT>
-                    <a:lnB w="12700" cap="flat" cmpd="sng" algn="ctr">
-                      <a:solidFill>
-                        <a:schemeClr val="tx1"/>
-                      </a:solidFill>
-                      <a:prstDash val="solid"/>
-                      <a:round/>
-                      <a:headEnd type="none" w="med" len="med"/>
-                      <a:tailEnd type="none" w="med" len="med"/>
-                    </a:lnB>
-                    <a:lnTlToBr w="12700" cmpd="sng">
-                      <a:noFill/>
-                      <a:prstDash val="solid"/>
-                    </a:lnTlToBr>
-                    <a:lnBlToTr w="12700" cmpd="sng">
-                      <a:noFill/>
-                      <a:prstDash val="solid"/>
-                    </a:lnBlToTr>
-                    <a:solidFill>
-                      <a:srgbClr val="7030A0">
-                        <a:alpha val="43000"/>
-                      </a:srgbClr>
-                    </a:solidFill>
-                  </a:tcPr>
-                </a:tc>
-                <a:tc>
-                  <a:txBody>
-                    <a:bodyPr/>
-                    <a:lstStyle/>
-                    <a:p>
-                      <a:pPr algn="ctr"/>
-                      <a:r>
-                        <a:rPr lang="en-US" altLang="zh-CN" sz="900" b="0" dirty="0" smtClean="0">
-                          <a:solidFill>
-                            <a:schemeClr val="tx1"/>
-                          </a:solidFill>
-                        </a:rPr>
-                        <a:t>1828</a:t>
-                      </a:r>
-                      <a:endParaRPr lang="zh-CN" altLang="en-US" sz="900" b="0" dirty="0">
-                        <a:solidFill>
-                          <a:schemeClr val="tx1"/>
-                        </a:solidFill>
-                      </a:endParaRPr>
-                    </a:p>
-                  </a:txBody>
-                  <a:tcPr marL="57628" marR="57628" marT="28814" marB="28814" anchor="ctr">
-                    <a:lnL w="12700" cap="flat" cmpd="sng" algn="ctr">
-                      <a:solidFill>
-                        <a:schemeClr val="tx1"/>
-                      </a:solidFill>
-                      <a:prstDash val="solid"/>
-                      <a:round/>
-                      <a:headEnd type="none" w="med" len="med"/>
-                      <a:tailEnd type="none" w="med" len="med"/>
-                    </a:lnL>
-                    <a:lnR w="12700" cap="flat" cmpd="sng" algn="ctr">
-                      <a:solidFill>
-                        <a:schemeClr val="tx1"/>
-                      </a:solidFill>
-                      <a:prstDash val="solid"/>
-                      <a:round/>
-                      <a:headEnd type="none" w="med" len="med"/>
-                      <a:tailEnd type="none" w="med" len="med"/>
-                    </a:lnR>
-                    <a:lnT w="12700" cap="flat" cmpd="sng" algn="ctr">
-                      <a:solidFill>
-                        <a:schemeClr val="tx1"/>
-                      </a:solidFill>
-                      <a:prstDash val="solid"/>
-                      <a:round/>
-                      <a:headEnd type="none" w="med" len="med"/>
-                      <a:tailEnd type="none" w="med" len="med"/>
-                    </a:lnT>
-                    <a:lnB w="12700" cap="flat" cmpd="sng" algn="ctr">
-                      <a:solidFill>
-                        <a:schemeClr val="tx1"/>
-                      </a:solidFill>
-                      <a:prstDash val="solid"/>
-                      <a:round/>
-                      <a:headEnd type="none" w="med" len="med"/>
-                      <a:tailEnd type="none" w="med" len="med"/>
-                    </a:lnB>
-                    <a:lnTlToBr w="12700" cmpd="sng">
-                      <a:noFill/>
-                      <a:prstDash val="solid"/>
-                    </a:lnTlToBr>
-                    <a:lnBlToTr w="12700" cmpd="sng">
-                      <a:noFill/>
-                      <a:prstDash val="solid"/>
-                    </a:lnBlToTr>
-                    <a:solidFill>
-                      <a:srgbClr val="7030A0">
-                        <a:alpha val="43000"/>
-                      </a:srgbClr>
-                    </a:solidFill>
-                  </a:tcPr>
-                </a:tc>
-                <a:tc>
-                  <a:txBody>
-                    <a:bodyPr/>
-                    <a:lstStyle/>
-                    <a:p>
-                      <a:pPr algn="ctr"/>
-                      <a:r>
-                        <a:rPr lang="en-US" altLang="zh-CN" sz="900" b="0" dirty="0" smtClean="0">
-                          <a:solidFill>
-                            <a:schemeClr val="tx1"/>
-                          </a:solidFill>
-                        </a:rPr>
-                        <a:t>1852</a:t>
-                      </a:r>
-                      <a:endParaRPr lang="zh-CN" altLang="en-US" sz="900" b="0" dirty="0">
-                        <a:solidFill>
-                          <a:schemeClr val="tx1"/>
-                        </a:solidFill>
-                      </a:endParaRPr>
-                    </a:p>
-                  </a:txBody>
-                  <a:tcPr marL="57628" marR="57628" marT="28814" marB="28814" anchor="ctr">
-                    <a:lnL w="12700" cap="flat" cmpd="sng" algn="ctr">
-                      <a:solidFill>
-                        <a:schemeClr val="tx1"/>
-                      </a:solidFill>
-                      <a:prstDash val="solid"/>
-                      <a:round/>
-                      <a:headEnd type="none" w="med" len="med"/>
-                      <a:tailEnd type="none" w="med" len="med"/>
-                    </a:lnL>
-                    <a:lnR w="12700" cap="flat" cmpd="sng" algn="ctr">
-                      <a:solidFill>
-                        <a:schemeClr val="tx1"/>
-                      </a:solidFill>
-                      <a:prstDash val="solid"/>
-                      <a:round/>
-                      <a:headEnd type="none" w="med" len="med"/>
-                      <a:tailEnd type="none" w="med" len="med"/>
-                    </a:lnR>
-                    <a:lnT w="12700" cap="flat" cmpd="sng" algn="ctr">
-                      <a:solidFill>
-                        <a:schemeClr val="tx1"/>
-                      </a:solidFill>
-                      <a:prstDash val="solid"/>
-                      <a:round/>
-                      <a:headEnd type="none" w="med" len="med"/>
-                      <a:tailEnd type="none" w="med" len="med"/>
-                    </a:lnT>
-                    <a:lnB w="12700" cap="flat" cmpd="sng" algn="ctr">
-                      <a:solidFill>
-                        <a:schemeClr val="tx1"/>
-                      </a:solidFill>
-                      <a:prstDash val="solid"/>
-                      <a:round/>
-                      <a:headEnd type="none" w="med" len="med"/>
-                      <a:tailEnd type="none" w="med" len="med"/>
-                    </a:lnB>
-                    <a:lnTlToBr w="12700" cmpd="sng">
-                      <a:noFill/>
-                      <a:prstDash val="solid"/>
-                    </a:lnTlToBr>
-                    <a:lnBlToTr w="12700" cmpd="sng">
-                      <a:noFill/>
-                      <a:prstDash val="solid"/>
-                    </a:lnBlToTr>
-                    <a:solidFill>
-                      <a:srgbClr val="7030A0">
-                        <a:alpha val="43000"/>
-                      </a:srgbClr>
-                    </a:solidFill>
-                  </a:tcPr>
-                </a:tc>
-              </a:tr>
-              <a:tr h="357440">
-                <a:tc>
-                  <a:txBody>
-                    <a:bodyPr/>
-                    <a:lstStyle/>
-                    <a:p>
-                      <a:pPr algn="ctr"/>
-                      <a:r>
-                        <a:rPr lang="en-US" altLang="zh-CN" sz="900" b="0" dirty="0" smtClean="0">
-                          <a:solidFill>
-                            <a:schemeClr val="tx1"/>
-                          </a:solidFill>
-                        </a:rPr>
-                        <a:t>1084</a:t>
-                      </a:r>
-                      <a:endParaRPr lang="zh-CN" altLang="en-US" sz="900" b="0" dirty="0">
-                        <a:solidFill>
-                          <a:schemeClr val="tx1"/>
-                        </a:solidFill>
-                      </a:endParaRPr>
-                    </a:p>
-                  </a:txBody>
-                  <a:tcPr marL="57628" marR="57628" marT="28814" marB="28814" anchor="ctr">
-                    <a:lnL w="12700" cap="flat" cmpd="sng" algn="ctr">
-                      <a:solidFill>
-                        <a:schemeClr val="tx1"/>
-                      </a:solidFill>
-                      <a:prstDash val="solid"/>
-                      <a:round/>
-                      <a:headEnd type="none" w="med" len="med"/>
-                      <a:tailEnd type="none" w="med" len="med"/>
-                    </a:lnL>
-                    <a:lnR w="12700" cap="flat" cmpd="sng" algn="ctr">
-                      <a:solidFill>
-                        <a:schemeClr val="tx1"/>
-                      </a:solidFill>
-                      <a:prstDash val="solid"/>
-                      <a:round/>
-                      <a:headEnd type="none" w="med" len="med"/>
-                      <a:tailEnd type="none" w="med" len="med"/>
-                    </a:lnR>
-                    <a:lnT w="12700" cap="flat" cmpd="sng" algn="ctr">
-                      <a:solidFill>
-                        <a:schemeClr val="tx1"/>
-                      </a:solidFill>
-                      <a:prstDash val="solid"/>
-                      <a:round/>
-                      <a:headEnd type="none" w="med" len="med"/>
-                      <a:tailEnd type="none" w="med" len="med"/>
-                    </a:lnT>
-                    <a:lnB w="12700" cap="flat" cmpd="sng" algn="ctr">
-                      <a:solidFill>
-                        <a:schemeClr val="tx1"/>
-                      </a:solidFill>
-                      <a:prstDash val="solid"/>
-                      <a:round/>
-                      <a:headEnd type="none" w="med" len="med"/>
-                      <a:tailEnd type="none" w="med" len="med"/>
-                    </a:lnB>
-                    <a:lnTlToBr w="12700" cmpd="sng">
-                      <a:noFill/>
-                      <a:prstDash val="solid"/>
-                    </a:lnTlToBr>
-                    <a:lnBlToTr w="12700" cmpd="sng">
-                      <a:noFill/>
-                      <a:prstDash val="solid"/>
-                    </a:lnBlToTr>
-                    <a:solidFill>
-                      <a:srgbClr val="7030A0">
-                        <a:alpha val="43000"/>
-                      </a:srgbClr>
-                    </a:solidFill>
-                  </a:tcPr>
-                </a:tc>
-                <a:tc>
-                  <a:txBody>
-                    <a:bodyPr/>
-                    <a:lstStyle/>
-                    <a:p>
-                      <a:pPr algn="ctr"/>
-                      <a:r>
-                        <a:rPr lang="en-US" altLang="zh-CN" sz="900" b="0" dirty="0" smtClean="0">
-                          <a:solidFill>
-                            <a:schemeClr val="tx1"/>
-                          </a:solidFill>
-                        </a:rPr>
-                        <a:t>1948</a:t>
-                      </a:r>
-                      <a:endParaRPr lang="zh-CN" altLang="en-US" sz="900" b="0" dirty="0">
-                        <a:solidFill>
-                          <a:schemeClr val="tx1"/>
-                        </a:solidFill>
-                      </a:endParaRPr>
-                    </a:p>
-                  </a:txBody>
-                  <a:tcPr marL="57628" marR="57628" marT="28814" marB="28814" anchor="ctr">
-                    <a:lnL w="12700" cap="flat" cmpd="sng" algn="ctr">
-                      <a:solidFill>
-                        <a:schemeClr val="tx1"/>
-                      </a:solidFill>
-                      <a:prstDash val="solid"/>
-                      <a:round/>
-                      <a:headEnd type="none" w="med" len="med"/>
-                      <a:tailEnd type="none" w="med" len="med"/>
-                    </a:lnL>
-                    <a:lnR w="12700" cap="flat" cmpd="sng" algn="ctr">
-                      <a:solidFill>
-                        <a:schemeClr val="tx1"/>
-                      </a:solidFill>
-                      <a:prstDash val="solid"/>
-                      <a:round/>
-                      <a:headEnd type="none" w="med" len="med"/>
-                      <a:tailEnd type="none" w="med" len="med"/>
-                    </a:lnR>
-                    <a:lnT w="12700" cap="flat" cmpd="sng" algn="ctr">
-                      <a:solidFill>
-                        <a:schemeClr val="tx1"/>
-                      </a:solidFill>
-                      <a:prstDash val="solid"/>
-                      <a:round/>
-                      <a:headEnd type="none" w="med" len="med"/>
-                      <a:tailEnd type="none" w="med" len="med"/>
-                    </a:lnT>
-                    <a:lnB w="12700" cap="flat" cmpd="sng" algn="ctr">
-                      <a:solidFill>
-                        <a:schemeClr val="tx1"/>
-                      </a:solidFill>
-                      <a:prstDash val="solid"/>
-                      <a:round/>
-                      <a:headEnd type="none" w="med" len="med"/>
-                      <a:tailEnd type="none" w="med" len="med"/>
-                    </a:lnB>
-                    <a:lnTlToBr w="12700" cmpd="sng">
-                      <a:noFill/>
-                      <a:prstDash val="solid"/>
-                    </a:lnTlToBr>
-                    <a:lnBlToTr w="12700" cmpd="sng">
-                      <a:noFill/>
-                      <a:prstDash val="solid"/>
-                    </a:lnBlToTr>
-                    <a:solidFill>
-                      <a:srgbClr val="7030A0">
-                        <a:alpha val="43000"/>
-                      </a:srgbClr>
-                    </a:solidFill>
-                  </a:tcPr>
-                </a:tc>
-                <a:tc>
-                  <a:txBody>
-                    <a:bodyPr/>
-                    <a:lstStyle/>
-                    <a:p>
-                      <a:pPr algn="ctr"/>
-                      <a:r>
-                        <a:rPr lang="en-US" altLang="zh-CN" sz="900" b="0" dirty="0" smtClean="0">
-                          <a:solidFill>
-                            <a:schemeClr val="tx1"/>
-                          </a:solidFill>
-                        </a:rPr>
-                        <a:t>1972</a:t>
-                      </a:r>
-                      <a:endParaRPr lang="zh-CN" altLang="en-US" sz="900" b="0" dirty="0">
-                        <a:solidFill>
-                          <a:schemeClr val="tx1"/>
-                        </a:solidFill>
-                      </a:endParaRPr>
-                    </a:p>
-                  </a:txBody>
-                  <a:tcPr marL="57628" marR="57628" marT="28814" marB="28814" anchor="ctr">
-                    <a:lnL w="12700" cap="flat" cmpd="sng" algn="ctr">
-                      <a:solidFill>
-                        <a:schemeClr val="tx1"/>
-                      </a:solidFill>
-                      <a:prstDash val="solid"/>
-                      <a:round/>
-                      <a:headEnd type="none" w="med" len="med"/>
-                      <a:tailEnd type="none" w="med" len="med"/>
-                    </a:lnL>
-                    <a:lnR w="12700" cap="flat" cmpd="sng" algn="ctr">
-                      <a:solidFill>
-                        <a:schemeClr val="tx1"/>
-                      </a:solidFill>
-                      <a:prstDash val="solid"/>
-                      <a:round/>
-                      <a:headEnd type="none" w="med" len="med"/>
-                      <a:tailEnd type="none" w="med" len="med"/>
-                    </a:lnR>
-                    <a:lnT w="12700" cap="flat" cmpd="sng" algn="ctr">
-                      <a:solidFill>
-                        <a:schemeClr val="tx1"/>
-                      </a:solidFill>
-                      <a:prstDash val="solid"/>
-                      <a:round/>
-                      <a:headEnd type="none" w="med" len="med"/>
-                      <a:tailEnd type="none" w="med" len="med"/>
-                    </a:lnT>
-                    <a:lnB w="12700" cap="flat" cmpd="sng" algn="ctr">
-                      <a:solidFill>
-                        <a:schemeClr val="tx1"/>
-                      </a:solidFill>
-                      <a:prstDash val="solid"/>
-                      <a:round/>
-                      <a:headEnd type="none" w="med" len="med"/>
-                      <a:tailEnd type="none" w="med" len="med"/>
-                    </a:lnB>
-                    <a:lnTlToBr w="12700" cmpd="sng">
-                      <a:noFill/>
-                      <a:prstDash val="solid"/>
-                    </a:lnTlToBr>
-                    <a:lnBlToTr w="12700" cmpd="sng">
-                      <a:noFill/>
-                      <a:prstDash val="solid"/>
-                    </a:lnBlToTr>
-                    <a:solidFill>
-                      <a:srgbClr val="7030A0">
-                        <a:alpha val="43000"/>
-                      </a:srgbClr>
-                    </a:solidFill>
-                  </a:tcPr>
-                </a:tc>
-                <a:tc>
-                  <a:txBody>
-                    <a:bodyPr/>
-                    <a:lstStyle/>
-                    <a:p>
-                      <a:pPr algn="ctr"/>
-                      <a:r>
-                        <a:rPr lang="en-US" altLang="zh-CN" sz="900" b="0" dirty="0" smtClean="0">
-                          <a:solidFill>
-                            <a:schemeClr val="tx1"/>
-                          </a:solidFill>
-                        </a:rPr>
-                        <a:t>1996</a:t>
-                      </a:r>
-                      <a:endParaRPr lang="zh-CN" altLang="en-US" sz="900" b="0" dirty="0">
-                        <a:solidFill>
-                          <a:schemeClr val="tx1"/>
-                        </a:solidFill>
-                      </a:endParaRPr>
-                    </a:p>
-                  </a:txBody>
-                  <a:tcPr marL="57628" marR="57628" marT="28814" marB="28814" anchor="ctr">
-                    <a:lnL w="12700" cap="flat" cmpd="sng" algn="ctr">
-                      <a:solidFill>
-                        <a:schemeClr val="tx1"/>
-                      </a:solidFill>
-                      <a:prstDash val="solid"/>
-                      <a:round/>
-                      <a:headEnd type="none" w="med" len="med"/>
-                      <a:tailEnd type="none" w="med" len="med"/>
-                    </a:lnL>
-                    <a:lnR w="12700" cap="flat" cmpd="sng" algn="ctr">
-                      <a:solidFill>
-                        <a:schemeClr val="tx1"/>
-                      </a:solidFill>
-                      <a:prstDash val="solid"/>
-                      <a:round/>
-                      <a:headEnd type="none" w="med" len="med"/>
-                      <a:tailEnd type="none" w="med" len="med"/>
-                    </a:lnR>
-                    <a:lnT w="12700" cap="flat" cmpd="sng" algn="ctr">
-                      <a:solidFill>
-                        <a:schemeClr val="tx1"/>
-                      </a:solidFill>
-                      <a:prstDash val="solid"/>
-                      <a:round/>
-                      <a:headEnd type="none" w="med" len="med"/>
-                      <a:tailEnd type="none" w="med" len="med"/>
-                    </a:lnT>
-                    <a:lnB w="12700" cap="flat" cmpd="sng" algn="ctr">
-                      <a:solidFill>
-                        <a:schemeClr val="tx1"/>
-                      </a:solidFill>
-                      <a:prstDash val="solid"/>
-                      <a:round/>
-                      <a:headEnd type="none" w="med" len="med"/>
-                      <a:tailEnd type="none" w="med" len="med"/>
-                    </a:lnB>
-                    <a:lnTlToBr w="12700" cmpd="sng">
-                      <a:noFill/>
-                      <a:prstDash val="solid"/>
-                    </a:lnTlToBr>
-                    <a:lnBlToTr w="12700" cmpd="sng">
-                      <a:noFill/>
-                      <a:prstDash val="solid"/>
-                    </a:lnBlToTr>
-                    <a:solidFill>
-                      <a:srgbClr val="7030A0">
-                        <a:alpha val="43000"/>
-                      </a:srgbClr>
-                    </a:solidFill>
-                  </a:tcPr>
-                </a:tc>
-                <a:tc>
-                  <a:txBody>
-                    <a:bodyPr/>
-                    <a:lstStyle/>
-                    <a:p>
-                      <a:pPr algn="ctr"/>
-                      <a:r>
-                        <a:rPr lang="en-US" altLang="zh-CN" sz="900" b="0" dirty="0" smtClean="0">
-                          <a:solidFill>
-                            <a:schemeClr val="tx1"/>
-                          </a:solidFill>
-                        </a:rPr>
-                        <a:t>2020</a:t>
-                      </a:r>
-                      <a:endParaRPr lang="zh-CN" altLang="en-US" sz="900" b="0" dirty="0">
-                        <a:solidFill>
-                          <a:schemeClr val="tx1"/>
-                        </a:solidFill>
-                      </a:endParaRPr>
-                    </a:p>
-                  </a:txBody>
-                  <a:tcPr marL="57628" marR="57628" marT="28814" marB="28814" anchor="ctr">
-                    <a:lnL w="12700" cap="flat" cmpd="sng" algn="ctr">
-                      <a:solidFill>
-                        <a:schemeClr val="tx1"/>
-                      </a:solidFill>
-                      <a:prstDash val="solid"/>
-                      <a:round/>
-                      <a:headEnd type="none" w="med" len="med"/>
-                      <a:tailEnd type="none" w="med" len="med"/>
-                    </a:lnL>
-                    <a:lnR w="12700" cap="flat" cmpd="sng" algn="ctr">
-                      <a:solidFill>
-                        <a:schemeClr val="tx1"/>
-                      </a:solidFill>
-                      <a:prstDash val="solid"/>
-                      <a:round/>
-                      <a:headEnd type="none" w="med" len="med"/>
-                      <a:tailEnd type="none" w="med" len="med"/>
-                    </a:lnR>
-                    <a:lnT w="12700" cap="flat" cmpd="sng" algn="ctr">
-                      <a:solidFill>
-                        <a:schemeClr val="tx1"/>
-                      </a:solidFill>
-                      <a:prstDash val="solid"/>
-                      <a:round/>
-                      <a:headEnd type="none" w="med" len="med"/>
-                      <a:tailEnd type="none" w="med" len="med"/>
-                    </a:lnT>
-                    <a:lnB w="12700" cap="flat" cmpd="sng" algn="ctr">
-                      <a:solidFill>
-                        <a:schemeClr val="tx1"/>
-                      </a:solidFill>
-                      <a:prstDash val="solid"/>
-                      <a:round/>
-                      <a:headEnd type="none" w="med" len="med"/>
-                      <a:tailEnd type="none" w="med" len="med"/>
-                    </a:lnB>
-                    <a:lnTlToBr w="12700" cmpd="sng">
-                      <a:noFill/>
-                      <a:prstDash val="solid"/>
-                    </a:lnTlToBr>
-                    <a:lnBlToTr w="12700" cmpd="sng">
-                      <a:noFill/>
-                      <a:prstDash val="solid"/>
-                    </a:lnBlToTr>
-                    <a:solidFill>
-                      <a:srgbClr val="7030A0">
-                        <a:alpha val="43000"/>
-                      </a:srgbClr>
-                    </a:solidFill>
-                  </a:tcPr>
-                </a:tc>
-                <a:tc>
-                  <a:txBody>
-                    <a:bodyPr/>
-                    <a:lstStyle/>
-                    <a:p>
-                      <a:pPr algn="ctr"/>
-                      <a:r>
-                        <a:rPr lang="en-US" altLang="zh-CN" sz="900" b="0" dirty="0" smtClean="0">
-                          <a:solidFill>
-                            <a:schemeClr val="tx1"/>
-                          </a:solidFill>
-                        </a:rPr>
-                        <a:t>2044</a:t>
-                      </a:r>
-                      <a:endParaRPr lang="zh-CN" altLang="en-US" sz="900" b="0" dirty="0">
-                        <a:solidFill>
-                          <a:schemeClr val="tx1"/>
-                        </a:solidFill>
-                      </a:endParaRPr>
-                    </a:p>
-                  </a:txBody>
-                  <a:tcPr marL="57628" marR="57628" marT="28814" marB="28814" anchor="ctr">
-                    <a:lnL w="12700" cap="flat" cmpd="sng" algn="ctr">
-                      <a:solidFill>
-                        <a:schemeClr val="tx1"/>
-                      </a:solidFill>
-                      <a:prstDash val="solid"/>
-                      <a:round/>
-                      <a:headEnd type="none" w="med" len="med"/>
-                      <a:tailEnd type="none" w="med" len="med"/>
-                    </a:lnL>
-                    <a:lnR w="12700" cap="flat" cmpd="sng" algn="ctr">
-                      <a:solidFill>
-                        <a:schemeClr val="tx1"/>
-                      </a:solidFill>
-                      <a:prstDash val="solid"/>
-                      <a:round/>
-                      <a:headEnd type="none" w="med" len="med"/>
-                      <a:tailEnd type="none" w="med" len="med"/>
-                    </a:lnR>
-                    <a:lnT w="12700" cap="flat" cmpd="sng" algn="ctr">
-                      <a:solidFill>
-                        <a:schemeClr val="tx1"/>
-                      </a:solidFill>
-                      <a:prstDash val="solid"/>
-                      <a:round/>
-                      <a:headEnd type="none" w="med" len="med"/>
-                      <a:tailEnd type="none" w="med" len="med"/>
-                    </a:lnT>
-                    <a:lnB w="12700" cap="flat" cmpd="sng" algn="ctr">
-                      <a:solidFill>
-                        <a:schemeClr val="tx1"/>
-                      </a:solidFill>
-                      <a:prstDash val="solid"/>
-                      <a:round/>
-                      <a:headEnd type="none" w="med" len="med"/>
-                      <a:tailEnd type="none" w="med" len="med"/>
-                    </a:lnB>
-                    <a:lnTlToBr w="12700" cmpd="sng">
-                      <a:noFill/>
-                      <a:prstDash val="solid"/>
-                    </a:lnTlToBr>
-                    <a:lnBlToTr w="12700" cmpd="sng">
-                      <a:noFill/>
-                      <a:prstDash val="solid"/>
-                    </a:lnBlToTr>
-                    <a:solidFill>
-                      <a:srgbClr val="7030A0">
-                        <a:alpha val="43000"/>
-                      </a:srgbClr>
-                    </a:solidFill>
-                  </a:tcPr>
-                </a:tc>
-              </a:tr>
-              <a:tr h="357440">
-                <a:tc>
-                  <a:txBody>
-                    <a:bodyPr/>
-                    <a:lstStyle/>
-                    <a:p>
-                      <a:pPr algn="ctr"/>
-                      <a:r>
-                        <a:rPr lang="en-US" altLang="zh-CN" sz="900" b="0" dirty="0" smtClean="0">
-                          <a:solidFill>
-                            <a:schemeClr val="tx1"/>
-                          </a:solidFill>
-                        </a:rPr>
-                        <a:t>1156</a:t>
-                      </a:r>
-                      <a:endParaRPr lang="zh-CN" altLang="en-US" sz="900" b="0" dirty="0">
-                        <a:solidFill>
-                          <a:schemeClr val="tx1"/>
-                        </a:solidFill>
-                      </a:endParaRPr>
-                    </a:p>
-                  </a:txBody>
-                  <a:tcPr marL="57628" marR="57628" marT="28814" marB="28814" anchor="ctr">
-                    <a:lnL w="12700" cap="flat" cmpd="sng" algn="ctr">
-                      <a:solidFill>
-                        <a:schemeClr val="tx1"/>
-                      </a:solidFill>
-                      <a:prstDash val="solid"/>
-                      <a:round/>
-                      <a:headEnd type="none" w="med" len="med"/>
-                      <a:tailEnd type="none" w="med" len="med"/>
-                    </a:lnL>
-                    <a:lnR w="12700" cap="flat" cmpd="sng" algn="ctr">
-                      <a:solidFill>
-                        <a:schemeClr val="tx1"/>
-                      </a:solidFill>
-                      <a:prstDash val="solid"/>
-                      <a:round/>
-                      <a:headEnd type="none" w="med" len="med"/>
-                      <a:tailEnd type="none" w="med" len="med"/>
-                    </a:lnR>
-                    <a:lnT w="12700" cap="flat" cmpd="sng" algn="ctr">
-                      <a:solidFill>
-                        <a:schemeClr val="tx1"/>
-                      </a:solidFill>
-                      <a:prstDash val="solid"/>
-                      <a:round/>
-                      <a:headEnd type="none" w="med" len="med"/>
-                      <a:tailEnd type="none" w="med" len="med"/>
-                    </a:lnT>
-                    <a:lnB w="12700" cap="flat" cmpd="sng" algn="ctr">
-                      <a:solidFill>
-                        <a:schemeClr val="tx1"/>
-                      </a:solidFill>
-                      <a:prstDash val="solid"/>
-                      <a:round/>
-                      <a:headEnd type="none" w="med" len="med"/>
-                      <a:tailEnd type="none" w="med" len="med"/>
-                    </a:lnB>
-                    <a:lnTlToBr w="12700" cmpd="sng">
-                      <a:noFill/>
-                      <a:prstDash val="solid"/>
-                    </a:lnTlToBr>
-                    <a:lnBlToTr w="12700" cmpd="sng">
-                      <a:noFill/>
-                      <a:prstDash val="solid"/>
-                    </a:lnBlToTr>
-                    <a:solidFill>
-                      <a:srgbClr val="7030A0">
-                        <a:alpha val="43000"/>
-                      </a:srgbClr>
-                    </a:solidFill>
-                  </a:tcPr>
-                </a:tc>
-                <a:tc>
-                  <a:txBody>
-                    <a:bodyPr/>
-                    <a:lstStyle/>
-                    <a:p>
-                      <a:pPr algn="ctr"/>
-                      <a:endParaRPr lang="zh-CN" altLang="en-US" sz="900" b="0" dirty="0">
-                        <a:solidFill>
-                          <a:schemeClr val="tx1"/>
-                        </a:solidFill>
-                      </a:endParaRPr>
-                    </a:p>
-                  </a:txBody>
-                  <a:tcPr marL="57628" marR="57628" marT="28814" marB="28814" anchor="ctr">
-                    <a:lnL w="12700" cap="flat" cmpd="sng" algn="ctr">
-                      <a:solidFill>
-                        <a:schemeClr val="tx1"/>
-                      </a:solidFill>
-                      <a:prstDash val="solid"/>
-                      <a:round/>
-                      <a:headEnd type="none" w="med" len="med"/>
-                      <a:tailEnd type="none" w="med" len="med"/>
-                    </a:lnL>
-                    <a:lnR w="12700" cap="flat" cmpd="sng" algn="ctr">
-                      <a:solidFill>
-                        <a:schemeClr val="tx1"/>
-                      </a:solidFill>
-                      <a:prstDash val="solid"/>
-                      <a:round/>
-                      <a:headEnd type="none" w="med" len="med"/>
-                      <a:tailEnd type="none" w="med" len="med"/>
-                    </a:lnR>
-                    <a:lnT w="12700" cap="flat" cmpd="sng" algn="ctr">
-                      <a:solidFill>
-                        <a:schemeClr val="tx1"/>
-                      </a:solidFill>
-                      <a:prstDash val="solid"/>
-                      <a:round/>
-                      <a:headEnd type="none" w="med" len="med"/>
-                      <a:tailEnd type="none" w="med" len="med"/>
-                    </a:lnT>
-                    <a:lnB w="12700" cap="flat" cmpd="sng" algn="ctr">
-                      <a:solidFill>
-                        <a:schemeClr val="tx1"/>
-                      </a:solidFill>
-                      <a:prstDash val="solid"/>
-                      <a:round/>
-                      <a:headEnd type="none" w="med" len="med"/>
-                      <a:tailEnd type="none" w="med" len="med"/>
-                    </a:lnB>
-                    <a:lnTlToBr w="12700" cmpd="sng">
-                      <a:noFill/>
-                      <a:prstDash val="solid"/>
-                    </a:lnTlToBr>
-                    <a:lnBlToTr w="12700" cmpd="sng">
-                      <a:noFill/>
-                      <a:prstDash val="solid"/>
-                    </a:lnBlToTr>
-                    <a:solidFill>
-                      <a:srgbClr val="7030A0">
-                        <a:alpha val="43000"/>
-                      </a:srgbClr>
-                    </a:solidFill>
-                  </a:tcPr>
-                </a:tc>
-                <a:tc>
-                  <a:txBody>
-                    <a:bodyPr/>
-                    <a:lstStyle/>
-                    <a:p>
-                      <a:pPr algn="ctr"/>
-                      <a:endParaRPr lang="zh-CN" altLang="en-US" sz="900" b="0" dirty="0">
-                        <a:solidFill>
-                          <a:schemeClr val="tx1"/>
-                        </a:solidFill>
-                      </a:endParaRPr>
-                    </a:p>
-                  </a:txBody>
-                  <a:tcPr marL="57628" marR="57628" marT="28814" marB="28814" anchor="ctr">
-                    <a:lnL w="12700" cap="flat" cmpd="sng" algn="ctr">
-                      <a:solidFill>
-                        <a:schemeClr val="tx1"/>
-                      </a:solidFill>
-                      <a:prstDash val="solid"/>
-                      <a:round/>
-                      <a:headEnd type="none" w="med" len="med"/>
-                      <a:tailEnd type="none" w="med" len="med"/>
-                    </a:lnL>
-                    <a:lnR w="12700" cap="flat" cmpd="sng" algn="ctr">
-                      <a:solidFill>
-                        <a:schemeClr val="tx1"/>
-                      </a:solidFill>
-                      <a:prstDash val="solid"/>
-                      <a:round/>
-                      <a:headEnd type="none" w="med" len="med"/>
-                      <a:tailEnd type="none" w="med" len="med"/>
-                    </a:lnR>
-                    <a:lnT w="12700" cap="flat" cmpd="sng" algn="ctr">
-                      <a:solidFill>
-                        <a:schemeClr val="tx1"/>
-                      </a:solidFill>
-                      <a:prstDash val="solid"/>
-                      <a:round/>
-                      <a:headEnd type="none" w="med" len="med"/>
-                      <a:tailEnd type="none" w="med" len="med"/>
-                    </a:lnT>
-                    <a:lnB w="12700" cap="flat" cmpd="sng" algn="ctr">
-                      <a:solidFill>
-                        <a:schemeClr val="tx1"/>
-                      </a:solidFill>
-                      <a:prstDash val="solid"/>
-                      <a:round/>
-                      <a:headEnd type="none" w="med" len="med"/>
-                      <a:tailEnd type="none" w="med" len="med"/>
-                    </a:lnB>
-                    <a:lnTlToBr w="12700" cmpd="sng">
-                      <a:noFill/>
-                      <a:prstDash val="solid"/>
-                    </a:lnTlToBr>
-                    <a:lnBlToTr w="12700" cmpd="sng">
-                      <a:noFill/>
-                      <a:prstDash val="solid"/>
-                    </a:lnBlToTr>
-                    <a:solidFill>
-                      <a:srgbClr val="7030A0">
-                        <a:alpha val="43000"/>
-                      </a:srgbClr>
-                    </a:solidFill>
-                  </a:tcPr>
-                </a:tc>
-                <a:tc>
-                  <a:txBody>
-                    <a:bodyPr/>
-                    <a:lstStyle/>
-                    <a:p>
-                      <a:pPr algn="ctr"/>
-                      <a:endParaRPr lang="zh-CN" altLang="en-US" sz="900" b="0" dirty="0">
-                        <a:solidFill>
-                          <a:schemeClr val="tx1"/>
-                        </a:solidFill>
-                      </a:endParaRPr>
-                    </a:p>
-                  </a:txBody>
-                  <a:tcPr marL="57628" marR="57628" marT="28814" marB="28814" anchor="ctr">
-                    <a:lnL w="12700" cap="flat" cmpd="sng" algn="ctr">
-                      <a:solidFill>
-                        <a:schemeClr val="tx1"/>
-                      </a:solidFill>
-                      <a:prstDash val="solid"/>
-                      <a:round/>
-                      <a:headEnd type="none" w="med" len="med"/>
-                      <a:tailEnd type="none" w="med" len="med"/>
-                    </a:lnL>
-                    <a:lnR w="12700" cap="flat" cmpd="sng" algn="ctr">
-                      <a:solidFill>
-                        <a:schemeClr val="tx1"/>
-                      </a:solidFill>
-                      <a:prstDash val="solid"/>
-                      <a:round/>
-                      <a:headEnd type="none" w="med" len="med"/>
-                      <a:tailEnd type="none" w="med" len="med"/>
-                    </a:lnR>
-                    <a:lnT w="12700" cap="flat" cmpd="sng" algn="ctr">
-                      <a:solidFill>
-                        <a:schemeClr val="tx1"/>
-                      </a:solidFill>
-                      <a:prstDash val="solid"/>
-                      <a:round/>
-                      <a:headEnd type="none" w="med" len="med"/>
-                      <a:tailEnd type="none" w="med" len="med"/>
-                    </a:lnT>
-                    <a:lnB w="12700" cap="flat" cmpd="sng" algn="ctr">
-                      <a:solidFill>
-                        <a:schemeClr val="tx1"/>
-                      </a:solidFill>
-                      <a:prstDash val="solid"/>
-                      <a:round/>
-                      <a:headEnd type="none" w="med" len="med"/>
-                      <a:tailEnd type="none" w="med" len="med"/>
-                    </a:lnB>
-                    <a:lnTlToBr w="12700" cmpd="sng">
-                      <a:noFill/>
-                      <a:prstDash val="solid"/>
-                    </a:lnTlToBr>
-                    <a:lnBlToTr w="12700" cmpd="sng">
-                      <a:noFill/>
-                      <a:prstDash val="solid"/>
-                    </a:lnBlToTr>
-                    <a:solidFill>
-                      <a:srgbClr val="7030A0">
-                        <a:alpha val="43000"/>
-                      </a:srgbClr>
-                    </a:solidFill>
-                  </a:tcPr>
-                </a:tc>
-                <a:tc>
-                  <a:txBody>
-                    <a:bodyPr/>
-                    <a:lstStyle/>
-                    <a:p>
-                      <a:pPr algn="ctr"/>
-                      <a:endParaRPr lang="zh-CN" altLang="en-US" sz="900" b="0" dirty="0">
-                        <a:solidFill>
-                          <a:schemeClr val="tx1"/>
-                        </a:solidFill>
-                      </a:endParaRPr>
-                    </a:p>
-                  </a:txBody>
-                  <a:tcPr marL="57628" marR="57628" marT="28814" marB="28814" anchor="ctr">
-                    <a:lnL w="12700" cap="flat" cmpd="sng" algn="ctr">
-                      <a:solidFill>
-                        <a:schemeClr val="tx1"/>
-                      </a:solidFill>
-                      <a:prstDash val="solid"/>
-                      <a:round/>
-                      <a:headEnd type="none" w="med" len="med"/>
-                      <a:tailEnd type="none" w="med" len="med"/>
-                    </a:lnL>
-                    <a:lnR w="12700" cap="flat" cmpd="sng" algn="ctr">
-                      <a:solidFill>
-                        <a:schemeClr val="tx1"/>
-                      </a:solidFill>
-                      <a:prstDash val="solid"/>
-                      <a:round/>
-                      <a:headEnd type="none" w="med" len="med"/>
-                      <a:tailEnd type="none" w="med" len="med"/>
-                    </a:lnR>
-                    <a:lnT w="12700" cap="flat" cmpd="sng" algn="ctr">
-                      <a:solidFill>
-                        <a:schemeClr val="tx1"/>
-                      </a:solidFill>
-                      <a:prstDash val="solid"/>
-                      <a:round/>
-                      <a:headEnd type="none" w="med" len="med"/>
-                      <a:tailEnd type="none" w="med" len="med"/>
-                    </a:lnT>
-                    <a:lnB w="12700" cap="flat" cmpd="sng" algn="ctr">
-                      <a:solidFill>
-                        <a:schemeClr val="tx1"/>
-                      </a:solidFill>
-                      <a:prstDash val="solid"/>
-                      <a:round/>
-                      <a:headEnd type="none" w="med" len="med"/>
-                      <a:tailEnd type="none" w="med" len="med"/>
-                    </a:lnB>
-                    <a:lnTlToBr w="12700" cmpd="sng">
-                      <a:noFill/>
-                      <a:prstDash val="solid"/>
-                    </a:lnTlToBr>
-                    <a:lnBlToTr w="12700" cmpd="sng">
-                      <a:noFill/>
-                      <a:prstDash val="solid"/>
-                    </a:lnBlToTr>
-                    <a:solidFill>
-                      <a:srgbClr val="7030A0">
-                        <a:alpha val="43000"/>
-                      </a:srgbClr>
-                    </a:solidFill>
-                  </a:tcPr>
-                </a:tc>
-                <a:tc>
-                  <a:txBody>
-                    <a:bodyPr/>
-                    <a:lstStyle/>
-                    <a:p>
-                      <a:pPr algn="ctr"/>
+              <a:tr h="355471">
+                <a:tc>
+                  <a:txBody>
+                    <a:bodyPr/>
+                    <a:lstStyle/>
+                    <a:p>
+                      <a:pPr algn="ctr"/>
+                      <a:r>
+                        <a:rPr lang="en-US" altLang="zh-CN" sz="900" b="0" dirty="0" smtClean="0">
+                          <a:solidFill>
+                            <a:schemeClr val="tx1"/>
+                          </a:solidFill>
+                        </a:rPr>
+                        <a:t>……</a:t>
+                      </a:r>
                       <a:endParaRPr lang="zh-CN" altLang="en-US" sz="900" b="0" dirty="0">
                         <a:solidFill>
                           <a:schemeClr val="tx1"/>
@@ -36661,6 +34412,443 @@
           </a:graphicData>
         </a:graphic>
       </p:graphicFrame>
+      <p:sp>
+        <p:nvSpPr>
+          <p:cNvPr id="14" name="文本框 13"/>
+          <p:cNvSpPr txBox="1"/>
+          <p:nvPr/>
+        </p:nvSpPr>
+        <p:spPr>
+          <a:xfrm>
+            <a:off x="4527946" y="4130405"/>
+            <a:ext cx="1853513" cy="369332"/>
+          </a:xfrm>
+          <a:prstGeom prst="rect">
+            <a:avLst/>
+          </a:prstGeom>
+          <a:noFill/>
+        </p:spPr>
+        <p:txBody>
+          <a:bodyPr wrap="square" rtlCol="0">
+            <a:spAutoFit/>
+          </a:bodyPr>
+          <a:lstStyle/>
+          <a:p>
+            <a:r>
+              <a:rPr lang="zh-CN" altLang="en-US" dirty="0" smtClean="0"/>
+              <a:t>展开</a:t>
+            </a:r>
+            <a:r>
+              <a:rPr lang="zh-CN" altLang="en-US" dirty="0" smtClean="0"/>
+              <a:t>的卷积核</a:t>
+            </a:r>
+            <a:endParaRPr lang="zh-CN" altLang="en-US" dirty="0"/>
+          </a:p>
+        </p:txBody>
+      </p:sp>
+      <mc:AlternateContent xmlns:mc="http://schemas.openxmlformats.org/markup-compatibility/2006">
+        <mc:Choice xmlns:a14="http://schemas.microsoft.com/office/drawing/2010/main" Requires="a14">
+          <p:sp>
+            <p:nvSpPr>
+              <p:cNvPr id="2" name="文本框 1"/>
+              <p:cNvSpPr txBox="1"/>
+              <p:nvPr/>
+            </p:nvSpPr>
+            <p:spPr>
+              <a:xfrm>
+                <a:off x="4346974" y="1737567"/>
+                <a:ext cx="345989" cy="369332"/>
+              </a:xfrm>
+              <a:prstGeom prst="rect">
+                <a:avLst/>
+              </a:prstGeom>
+              <a:noFill/>
+            </p:spPr>
+            <p:txBody>
+              <a:bodyPr wrap="square" rtlCol="0">
+                <a:spAutoFit/>
+              </a:bodyPr>
+              <a:lstStyle/>
+              <a:p>
+                <a14:m>
+                  <m:oMathPara xmlns:m="http://schemas.openxmlformats.org/officeDocument/2006/math">
+                    <m:oMathParaPr>
+                      <m:jc m:val="centerGroup"/>
+                    </m:oMathParaPr>
+                    <m:oMath xmlns:m="http://schemas.openxmlformats.org/officeDocument/2006/math">
+                      <m:r>
+                        <a:rPr lang="en-US" altLang="zh-CN" b="0" i="1" dirty="0" smtClean="0">
+                          <a:latin typeface="Cambria Math" panose="02040503050406030204" pitchFamily="18" charset="0"/>
+                        </a:rPr>
+                        <m:t>×</m:t>
+                      </m:r>
+                    </m:oMath>
+                  </m:oMathPara>
+                </a14:m>
+                <a:endParaRPr lang="zh-CN" altLang="en-US" dirty="0"/>
+              </a:p>
+            </p:txBody>
+          </p:sp>
+        </mc:Choice>
+        <mc:Fallback>
+          <p:sp>
+            <p:nvSpPr>
+              <p:cNvPr id="2" name="文本框 1"/>
+              <p:cNvSpPr txBox="1">
+                <a:spLocks noRot="1" noChangeAspect="1" noMove="1" noResize="1" noEditPoints="1" noAdjustHandles="1" noChangeArrowheads="1" noChangeShapeType="1" noTextEdit="1"/>
+              </p:cNvSpPr>
+              <p:nvPr/>
+            </p:nvSpPr>
+            <p:spPr>
+              <a:xfrm>
+                <a:off x="4346974" y="1737567"/>
+                <a:ext cx="345989" cy="369332"/>
+              </a:xfrm>
+              <a:prstGeom prst="rect">
+                <a:avLst/>
+              </a:prstGeom>
+              <a:blipFill rotWithShape="0">
+                <a:blip r:embed="rId2"/>
+                <a:stretch>
+                  <a:fillRect/>
+                </a:stretch>
+              </a:blipFill>
+            </p:spPr>
+            <p:txBody>
+              <a:bodyPr/>
+              <a:lstStyle/>
+              <a:p>
+                <a:r>
+                  <a:rPr lang="zh-CN" altLang="en-US">
+                    <a:noFill/>
+                  </a:rPr>
+                  <a:t> </a:t>
+                </a:r>
+              </a:p>
+            </p:txBody>
+          </p:sp>
+        </mc:Fallback>
+      </mc:AlternateContent>
+      <mc:AlternateContent xmlns:mc="http://schemas.openxmlformats.org/markup-compatibility/2006">
+        <mc:Choice xmlns:a14="http://schemas.microsoft.com/office/drawing/2010/main" Requires="a14">
+          <p:sp>
+            <p:nvSpPr>
+              <p:cNvPr id="16" name="文本框 15"/>
+              <p:cNvSpPr txBox="1"/>
+              <p:nvPr/>
+            </p:nvSpPr>
+            <p:spPr>
+              <a:xfrm>
+                <a:off x="5917239" y="1748086"/>
+                <a:ext cx="345989" cy="369332"/>
+              </a:xfrm>
+              <a:prstGeom prst="rect">
+                <a:avLst/>
+              </a:prstGeom>
+              <a:noFill/>
+            </p:spPr>
+            <p:txBody>
+              <a:bodyPr wrap="square" rtlCol="0">
+                <a:spAutoFit/>
+              </a:bodyPr>
+              <a:lstStyle/>
+              <a:p>
+                <a14:m>
+                  <m:oMathPara xmlns:m="http://schemas.openxmlformats.org/officeDocument/2006/math">
+                    <m:oMathParaPr>
+                      <m:jc m:val="centerGroup"/>
+                    </m:oMathParaPr>
+                    <m:oMath xmlns:m="http://schemas.openxmlformats.org/officeDocument/2006/math">
+                      <m:r>
+                        <a:rPr lang="en-US" altLang="zh-CN" b="0" i="1" dirty="0" smtClean="0">
+                          <a:latin typeface="Cambria Math" panose="02040503050406030204" pitchFamily="18" charset="0"/>
+                        </a:rPr>
+                        <m:t>=</m:t>
+                      </m:r>
+                    </m:oMath>
+                  </m:oMathPara>
+                </a14:m>
+                <a:endParaRPr lang="zh-CN" altLang="en-US" dirty="0"/>
+              </a:p>
+            </p:txBody>
+          </p:sp>
+        </mc:Choice>
+        <mc:Fallback>
+          <p:sp>
+            <p:nvSpPr>
+              <p:cNvPr id="16" name="文本框 15"/>
+              <p:cNvSpPr txBox="1">
+                <a:spLocks noRot="1" noChangeAspect="1" noMove="1" noResize="1" noEditPoints="1" noAdjustHandles="1" noChangeArrowheads="1" noChangeShapeType="1" noTextEdit="1"/>
+              </p:cNvSpPr>
+              <p:nvPr/>
+            </p:nvSpPr>
+            <p:spPr>
+              <a:xfrm>
+                <a:off x="5917239" y="1748086"/>
+                <a:ext cx="345989" cy="369332"/>
+              </a:xfrm>
+              <a:prstGeom prst="rect">
+                <a:avLst/>
+              </a:prstGeom>
+              <a:blipFill rotWithShape="0">
+                <a:blip r:embed="rId3"/>
+                <a:stretch>
+                  <a:fillRect/>
+                </a:stretch>
+              </a:blipFill>
+            </p:spPr>
+            <p:txBody>
+              <a:bodyPr/>
+              <a:lstStyle/>
+              <a:p>
+                <a:r>
+                  <a:rPr lang="zh-CN" altLang="en-US">
+                    <a:noFill/>
+                  </a:rPr>
+                  <a:t> </a:t>
+                </a:r>
+              </a:p>
+            </p:txBody>
+          </p:sp>
+        </mc:Fallback>
+      </mc:AlternateContent>
+      <p:sp>
+        <p:nvSpPr>
+          <p:cNvPr id="17" name="矩形 16"/>
+          <p:cNvSpPr/>
+          <p:nvPr/>
+        </p:nvSpPr>
+        <p:spPr>
+          <a:xfrm>
+            <a:off x="6838241" y="329544"/>
+            <a:ext cx="367985" cy="347542"/>
+          </a:xfrm>
+          <a:prstGeom prst="rect">
+            <a:avLst/>
+          </a:prstGeom>
+          <a:noFill/>
+          <a:ln>
+            <a:solidFill>
+              <a:srgbClr val="FF0000"/>
+            </a:solidFill>
+          </a:ln>
+        </p:spPr>
+        <p:style>
+          <a:lnRef idx="2">
+            <a:schemeClr val="accent1">
+              <a:shade val="50000"/>
+            </a:schemeClr>
+          </a:lnRef>
+          <a:fillRef idx="1">
+            <a:schemeClr val="accent1"/>
+          </a:fillRef>
+          <a:effectRef idx="0">
+            <a:schemeClr val="accent1"/>
+          </a:effectRef>
+          <a:fontRef idx="minor">
+            <a:schemeClr val="lt1"/>
+          </a:fontRef>
+        </p:style>
+        <p:txBody>
+          <a:bodyPr rtlCol="0" anchor="ctr"/>
+          <a:lstStyle/>
+          <a:p>
+            <a:pPr algn="ctr"/>
+            <a:endParaRPr lang="zh-CN" altLang="en-US"/>
+          </a:p>
+        </p:txBody>
+      </p:sp>
+      <mc:AlternateContent xmlns:mc="http://schemas.openxmlformats.org/markup-compatibility/2006">
+        <mc:Choice xmlns:a14="http://schemas.microsoft.com/office/drawing/2010/main" Requires="a14">
+          <p:sp>
+            <p:nvSpPr>
+              <p:cNvPr id="18" name="文本框 17"/>
+              <p:cNvSpPr txBox="1"/>
+              <p:nvPr/>
+            </p:nvSpPr>
+            <p:spPr>
+              <a:xfrm>
+                <a:off x="7435425" y="1748086"/>
+                <a:ext cx="958931" cy="369332"/>
+              </a:xfrm>
+              <a:prstGeom prst="rect">
+                <a:avLst/>
+              </a:prstGeom>
+              <a:noFill/>
+            </p:spPr>
+            <p:txBody>
+              <a:bodyPr wrap="square" rtlCol="0">
+                <a:spAutoFit/>
+              </a:bodyPr>
+              <a:lstStyle/>
+              <a:p>
+                <a14:m>
+                  <m:oMathPara xmlns:m="http://schemas.openxmlformats.org/officeDocument/2006/math">
+                    <m:oMathParaPr>
+                      <m:jc m:val="centerGroup"/>
+                    </m:oMathParaPr>
+                    <m:oMath xmlns:m="http://schemas.openxmlformats.org/officeDocument/2006/math">
+                      <m:r>
+                        <a:rPr lang="en-US" altLang="zh-CN" b="0" i="1" dirty="0" smtClean="0">
+                          <a:latin typeface="Cambria Math" panose="02040503050406030204" pitchFamily="18" charset="0"/>
+                        </a:rPr>
+                        <m:t>𝑅𝑒𝑠h𝑎𝑝𝑒</m:t>
+                      </m:r>
+                    </m:oMath>
+                  </m:oMathPara>
+                </a14:m>
+                <a:endParaRPr lang="zh-CN" altLang="en-US" dirty="0"/>
+              </a:p>
+            </p:txBody>
+          </p:sp>
+        </mc:Choice>
+        <mc:Fallback>
+          <p:sp>
+            <p:nvSpPr>
+              <p:cNvPr id="18" name="文本框 17"/>
+              <p:cNvSpPr txBox="1">
+                <a:spLocks noRot="1" noChangeAspect="1" noMove="1" noResize="1" noEditPoints="1" noAdjustHandles="1" noChangeArrowheads="1" noChangeShapeType="1" noTextEdit="1"/>
+              </p:cNvSpPr>
+              <p:nvPr/>
+            </p:nvSpPr>
+            <p:spPr>
+              <a:xfrm>
+                <a:off x="7435425" y="1748086"/>
+                <a:ext cx="958931" cy="369332"/>
+              </a:xfrm>
+              <a:prstGeom prst="rect">
+                <a:avLst/>
+              </a:prstGeom>
+              <a:blipFill rotWithShape="0">
+                <a:blip r:embed="rId4"/>
+                <a:stretch>
+                  <a:fillRect l="-1911" r="-11465" b="-13333"/>
+                </a:stretch>
+              </a:blipFill>
+            </p:spPr>
+            <p:txBody>
+              <a:bodyPr/>
+              <a:lstStyle/>
+              <a:p>
+                <a:r>
+                  <a:rPr lang="zh-CN" altLang="en-US">
+                    <a:noFill/>
+                  </a:rPr>
+                  <a:t> </a:t>
+                </a:r>
+              </a:p>
+            </p:txBody>
+          </p:sp>
+        </mc:Fallback>
+      </mc:AlternateContent>
+      <p:cxnSp>
+        <p:nvCxnSpPr>
+          <p:cNvPr id="9" name="直接箭头连接符 8"/>
+          <p:cNvCxnSpPr/>
+          <p:nvPr/>
+        </p:nvCxnSpPr>
+        <p:spPr>
+          <a:xfrm>
+            <a:off x="4176584" y="2117418"/>
+            <a:ext cx="634313" cy="0"/>
+          </a:xfrm>
+          <a:prstGeom prst="straightConnector1">
+            <a:avLst/>
+          </a:prstGeom>
+          <a:ln>
+            <a:solidFill>
+              <a:schemeClr val="tx1"/>
+            </a:solidFill>
+            <a:tailEnd type="triangle"/>
+          </a:ln>
+        </p:spPr>
+        <p:style>
+          <a:lnRef idx="1">
+            <a:schemeClr val="accent1"/>
+          </a:lnRef>
+          <a:fillRef idx="0">
+            <a:schemeClr val="accent1"/>
+          </a:fillRef>
+          <a:effectRef idx="0">
+            <a:schemeClr val="accent1"/>
+          </a:effectRef>
+          <a:fontRef idx="minor">
+            <a:schemeClr val="tx1"/>
+          </a:fontRef>
+        </p:style>
+      </p:cxnSp>
+      <p:cxnSp>
+        <p:nvCxnSpPr>
+          <p:cNvPr id="11" name="直接箭头连接符 10"/>
+          <p:cNvCxnSpPr/>
+          <p:nvPr/>
+        </p:nvCxnSpPr>
+        <p:spPr>
+          <a:xfrm>
+            <a:off x="5568778" y="2106899"/>
+            <a:ext cx="1014204" cy="0"/>
+          </a:xfrm>
+          <a:prstGeom prst="straightConnector1">
+            <a:avLst/>
+          </a:prstGeom>
+          <a:ln>
+            <a:solidFill>
+              <a:schemeClr val="tx1"/>
+            </a:solidFill>
+            <a:tailEnd type="triangle"/>
+          </a:ln>
+        </p:spPr>
+        <p:style>
+          <a:lnRef idx="1">
+            <a:schemeClr val="accent1"/>
+          </a:lnRef>
+          <a:fillRef idx="0">
+            <a:schemeClr val="accent1"/>
+          </a:fillRef>
+          <a:effectRef idx="0">
+            <a:schemeClr val="accent1"/>
+          </a:effectRef>
+          <a:fontRef idx="minor">
+            <a:schemeClr val="tx1"/>
+          </a:fontRef>
+        </p:style>
+      </p:cxnSp>
+      <p:cxnSp>
+        <p:nvCxnSpPr>
+          <p:cNvPr id="13" name="直接箭头连接符 12"/>
+          <p:cNvCxnSpPr/>
+          <p:nvPr/>
+        </p:nvCxnSpPr>
+        <p:spPr>
+          <a:xfrm>
+            <a:off x="7435425" y="2117418"/>
+            <a:ext cx="1066024" cy="0"/>
+          </a:xfrm>
+          <a:prstGeom prst="straightConnector1">
+            <a:avLst/>
+          </a:prstGeom>
+          <a:ln>
+            <a:solidFill>
+              <a:schemeClr val="tx1"/>
+            </a:solidFill>
+            <a:tailEnd type="triangle"/>
+          </a:ln>
+        </p:spPr>
+        <p:style>
+          <a:lnRef idx="1">
+            <a:schemeClr val="accent1"/>
+          </a:lnRef>
+          <a:fillRef idx="0">
+            <a:schemeClr val="accent1"/>
+          </a:fillRef>
+          <a:effectRef idx="0">
+            <a:schemeClr val="accent1"/>
+          </a:effectRef>
+          <a:fontRef idx="minor">
+            <a:schemeClr val="tx1"/>
+          </a:fontRef>
+        </p:style>
+      </p:cxnSp>
     </p:spTree>
     <p:extLst>
       <p:ext uri="{BB962C8B-B14F-4D97-AF65-F5344CB8AC3E}">
